--- a/семинар2Халявин.pptx
+++ b/семинар2Халявин.pptx
@@ -275,7 +275,7 @@
           <a:p>
             <a:fld id="{6F711949-215D-4BE2-8444-E33C437A6654}" type="datetimeFigureOut">
               <a:rPr lang="ru-RU" smtClean="0"/>
-              <a:t>10.12.2019</a:t>
+              <a:t>11.12.2019</a:t>
             </a:fld>
             <a:endParaRPr lang="ru-RU"/>
           </a:p>
@@ -473,7 +473,7 @@
           <a:p>
             <a:fld id="{6F711949-215D-4BE2-8444-E33C437A6654}" type="datetimeFigureOut">
               <a:rPr lang="ru-RU" smtClean="0"/>
-              <a:t>10.12.2019</a:t>
+              <a:t>11.12.2019</a:t>
             </a:fld>
             <a:endParaRPr lang="ru-RU"/>
           </a:p>
@@ -681,7 +681,7 @@
           <a:p>
             <a:fld id="{6F711949-215D-4BE2-8444-E33C437A6654}" type="datetimeFigureOut">
               <a:rPr lang="ru-RU" smtClean="0"/>
-              <a:t>10.12.2019</a:t>
+              <a:t>11.12.2019</a:t>
             </a:fld>
             <a:endParaRPr lang="ru-RU"/>
           </a:p>
@@ -879,7 +879,7 @@
           <a:p>
             <a:fld id="{6F711949-215D-4BE2-8444-E33C437A6654}" type="datetimeFigureOut">
               <a:rPr lang="ru-RU" smtClean="0"/>
-              <a:t>10.12.2019</a:t>
+              <a:t>11.12.2019</a:t>
             </a:fld>
             <a:endParaRPr lang="ru-RU"/>
           </a:p>
@@ -1154,7 +1154,7 @@
           <a:p>
             <a:fld id="{6F711949-215D-4BE2-8444-E33C437A6654}" type="datetimeFigureOut">
               <a:rPr lang="ru-RU" smtClean="0"/>
-              <a:t>10.12.2019</a:t>
+              <a:t>11.12.2019</a:t>
             </a:fld>
             <a:endParaRPr lang="ru-RU"/>
           </a:p>
@@ -1419,7 +1419,7 @@
           <a:p>
             <a:fld id="{6F711949-215D-4BE2-8444-E33C437A6654}" type="datetimeFigureOut">
               <a:rPr lang="ru-RU" smtClean="0"/>
-              <a:t>10.12.2019</a:t>
+              <a:t>11.12.2019</a:t>
             </a:fld>
             <a:endParaRPr lang="ru-RU"/>
           </a:p>
@@ -1831,7 +1831,7 @@
           <a:p>
             <a:fld id="{6F711949-215D-4BE2-8444-E33C437A6654}" type="datetimeFigureOut">
               <a:rPr lang="ru-RU" smtClean="0"/>
-              <a:t>10.12.2019</a:t>
+              <a:t>11.12.2019</a:t>
             </a:fld>
             <a:endParaRPr lang="ru-RU"/>
           </a:p>
@@ -1972,7 +1972,7 @@
           <a:p>
             <a:fld id="{6F711949-215D-4BE2-8444-E33C437A6654}" type="datetimeFigureOut">
               <a:rPr lang="ru-RU" smtClean="0"/>
-              <a:t>10.12.2019</a:t>
+              <a:t>11.12.2019</a:t>
             </a:fld>
             <a:endParaRPr lang="ru-RU"/>
           </a:p>
@@ -2085,7 +2085,7 @@
           <a:p>
             <a:fld id="{6F711949-215D-4BE2-8444-E33C437A6654}" type="datetimeFigureOut">
               <a:rPr lang="ru-RU" smtClean="0"/>
-              <a:t>10.12.2019</a:t>
+              <a:t>11.12.2019</a:t>
             </a:fld>
             <a:endParaRPr lang="ru-RU"/>
           </a:p>
@@ -2396,7 +2396,7 @@
           <a:p>
             <a:fld id="{6F711949-215D-4BE2-8444-E33C437A6654}" type="datetimeFigureOut">
               <a:rPr lang="ru-RU" smtClean="0"/>
-              <a:t>10.12.2019</a:t>
+              <a:t>11.12.2019</a:t>
             </a:fld>
             <a:endParaRPr lang="ru-RU"/>
           </a:p>
@@ -2684,7 +2684,7 @@
           <a:p>
             <a:fld id="{6F711949-215D-4BE2-8444-E33C437A6654}" type="datetimeFigureOut">
               <a:rPr lang="ru-RU" smtClean="0"/>
-              <a:t>10.12.2019</a:t>
+              <a:t>11.12.2019</a:t>
             </a:fld>
             <a:endParaRPr lang="ru-RU"/>
           </a:p>
@@ -2925,7 +2925,7 @@
           <a:p>
             <a:fld id="{6F711949-215D-4BE2-8444-E33C437A6654}" type="datetimeFigureOut">
               <a:rPr lang="ru-RU" smtClean="0"/>
-              <a:t>10.12.2019</a:t>
+              <a:t>11.12.2019</a:t>
             </a:fld>
             <a:endParaRPr lang="ru-RU"/>
           </a:p>
@@ -3477,6 +3477,7 @@
           <a:bodyPr/>
           <a:lstStyle/>
           <a:p>
+            <a:pPr algn="ctr"/>
             <a:r>
               <a:rPr lang="ru-RU" dirty="0"/>
               <a:t>Геометрическая аппроксимация</a:t>
@@ -3597,6 +3598,7 @@
           <a:bodyPr/>
           <a:lstStyle/>
           <a:p>
+            <a:pPr algn="ctr"/>
             <a:r>
               <a:rPr lang="ru-RU" dirty="0"/>
               <a:t>Выбранный путь решения</a:t>
@@ -4116,13 +4118,14 @@
         <p:spPr>
           <a:xfrm>
             <a:off x="697523" y="1173450"/>
-            <a:ext cx="10515600" cy="1325563"/>
+            <a:ext cx="5398477" cy="1325563"/>
           </a:xfrm>
         </p:spPr>
         <p:txBody>
           <a:bodyPr/>
           <a:lstStyle/>
           <a:p>
+            <a:pPr algn="ctr"/>
             <a:r>
               <a:rPr lang="ru-RU" dirty="0"/>
               <a:t>Разработанное </a:t>
@@ -4376,6 +4379,7 @@
           <a:bodyPr/>
           <a:lstStyle/>
           <a:p>
+            <a:pPr algn="ctr"/>
             <a:r>
               <a:rPr lang="ru-RU" dirty="0"/>
               <a:t>Результаты качественного тестирования</a:t>
@@ -4407,7 +4411,7 @@
         </p:spPr>
         <p:txBody>
           <a:bodyPr>
-            <a:normAutofit/>
+            <a:normAutofit fontScale="85000" lnSpcReduction="10000"/>
           </a:bodyPr>
           <a:lstStyle/>
           <a:p>
@@ -4433,7 +4437,7 @@
                   <a:srgbClr val="FF0000"/>
                 </a:solidFill>
               </a:rPr>
-              <a:t>Присутствуют ложные срабатывания</a:t>
+              <a:t>После прохождения мимо препятствия скорость манипулятора возрастает скачком</a:t>
             </a:r>
           </a:p>
         </p:txBody>
@@ -4620,6 +4624,7 @@
           <a:bodyPr/>
           <a:lstStyle/>
           <a:p>
+            <a:pPr algn="ctr"/>
             <a:r>
               <a:rPr lang="ru-RU" dirty="0"/>
               <a:t>Результаты тестирования затрачиваемого времени</a:t>
@@ -4669,627 +4674,1388 @@
           </a:p>
         </p:txBody>
       </p:sp>
-      <p:graphicFrame>
-        <p:nvGraphicFramePr>
-          <p:cNvPr id="4" name="Таблица 3">
-            <a:extLst>
-              <a:ext uri="{FF2B5EF4-FFF2-40B4-BE49-F238E27FC236}">
-                <a16:creationId xmlns:a16="http://schemas.microsoft.com/office/drawing/2014/main" id="{5C382600-D945-4C15-95CE-1CDD20F40F50}"/>
-              </a:ext>
-            </a:extLst>
-          </p:cNvPr>
-          <p:cNvGraphicFramePr>
-            <a:graphicFrameLocks noGrp="1"/>
-          </p:cNvGraphicFramePr>
-          <p:nvPr>
-            <p:extLst>
-              <p:ext uri="{D42A27DB-BD31-4B8C-83A1-F6EECF244321}">
-                <p14:modId xmlns:p14="http://schemas.microsoft.com/office/powerpoint/2010/main" val="4235974694"/>
-              </p:ext>
-            </p:extLst>
-          </p:nvPr>
-        </p:nvGraphicFramePr>
-        <p:xfrm>
-          <a:off x="1007012" y="2757268"/>
-          <a:ext cx="9670366" cy="3757228"/>
-        </p:xfrm>
-        <a:graphic>
-          <a:graphicData uri="http://schemas.openxmlformats.org/drawingml/2006/table">
-            <a:tbl>
-              <a:tblPr firstRow="1" firstCol="1" bandRow="1">
-                <a:tableStyleId>{5C22544A-7EE6-4342-B048-85BDC9FD1C3A}</a:tableStyleId>
-              </a:tblPr>
-              <a:tblGrid>
-                <a:gridCol w="5843954">
-                  <a:extLst>
-                    <a:ext uri="{9D8B030D-6E8A-4147-A177-3AD203B41FA5}">
-                      <a16:colId xmlns:a16="http://schemas.microsoft.com/office/drawing/2014/main" val="4289919192"/>
-                    </a:ext>
-                  </a:extLst>
-                </a:gridCol>
-                <a:gridCol w="1772529">
-                  <a:extLst>
-                    <a:ext uri="{9D8B030D-6E8A-4147-A177-3AD203B41FA5}">
-                      <a16:colId xmlns:a16="http://schemas.microsoft.com/office/drawing/2014/main" val="1220807851"/>
-                    </a:ext>
-                  </a:extLst>
-                </a:gridCol>
-                <a:gridCol w="2053883">
-                  <a:extLst>
-                    <a:ext uri="{9D8B030D-6E8A-4147-A177-3AD203B41FA5}">
-                      <a16:colId xmlns:a16="http://schemas.microsoft.com/office/drawing/2014/main" val="1780326536"/>
-                    </a:ext>
-                  </a:extLst>
-                </a:gridCol>
-              </a:tblGrid>
-              <a:tr h="620133">
-                <a:tc>
-                  <a:txBody>
-                    <a:bodyPr/>
-                    <a:lstStyle/>
-                    <a:p>
-                      <a:pPr>
-                        <a:lnSpc>
-                          <a:spcPct val="150000"/>
-                        </a:lnSpc>
-                        <a:spcAft>
-                          <a:spcPts val="0"/>
-                        </a:spcAft>
-                      </a:pPr>
-                      <a:r>
-                        <a:rPr lang="ru-RU" sz="2400" dirty="0">
-                          <a:effectLst/>
-                        </a:rPr>
-                        <a:t>Алгоритм</a:t>
-                      </a:r>
-                      <a:endParaRPr lang="ru-RU" sz="1800" dirty="0">
-                        <a:effectLst/>
-                        <a:latin typeface="Calibri" panose="020F0502020204030204" pitchFamily="34" charset="0"/>
-                        <a:ea typeface="Calibri" panose="020F0502020204030204" pitchFamily="34" charset="0"/>
-                        <a:cs typeface="Times New Roman" panose="02020603050405020304" pitchFamily="18" charset="0"/>
-                      </a:endParaRPr>
-                    </a:p>
-                  </a:txBody>
-                  <a:tcPr marL="68580" marR="68580" marT="0" marB="0"/>
-                </a:tc>
-                <a:tc>
-                  <a:txBody>
-                    <a:bodyPr/>
-                    <a:lstStyle/>
-                    <a:p>
-                      <a:pPr>
-                        <a:lnSpc>
-                          <a:spcPct val="150000"/>
-                        </a:lnSpc>
-                        <a:spcAft>
-                          <a:spcPts val="0"/>
-                        </a:spcAft>
-                      </a:pPr>
-                      <a:r>
-                        <a:rPr lang="en-US" sz="2400">
-                          <a:effectLst/>
-                        </a:rPr>
-                        <a:t>SAT</a:t>
-                      </a:r>
-                      <a:endParaRPr lang="ru-RU" sz="1800">
-                        <a:effectLst/>
-                        <a:latin typeface="Calibri" panose="020F0502020204030204" pitchFamily="34" charset="0"/>
-                        <a:ea typeface="Calibri" panose="020F0502020204030204" pitchFamily="34" charset="0"/>
-                        <a:cs typeface="Times New Roman" panose="02020603050405020304" pitchFamily="18" charset="0"/>
-                      </a:endParaRPr>
-                    </a:p>
-                  </a:txBody>
-                  <a:tcPr marL="68580" marR="68580" marT="0" marB="0"/>
-                </a:tc>
-                <a:tc>
-                  <a:txBody>
-                    <a:bodyPr/>
-                    <a:lstStyle/>
-                    <a:p>
-                      <a:pPr>
-                        <a:lnSpc>
-                          <a:spcPct val="150000"/>
-                        </a:lnSpc>
-                        <a:spcAft>
-                          <a:spcPts val="0"/>
-                        </a:spcAft>
-                      </a:pPr>
-                      <a:r>
-                        <a:rPr lang="en-US" sz="2400">
-                          <a:effectLst/>
-                        </a:rPr>
-                        <a:t>GJK</a:t>
-                      </a:r>
-                      <a:endParaRPr lang="ru-RU" sz="1800">
-                        <a:effectLst/>
-                        <a:latin typeface="Calibri" panose="020F0502020204030204" pitchFamily="34" charset="0"/>
-                        <a:ea typeface="Calibri" panose="020F0502020204030204" pitchFamily="34" charset="0"/>
-                        <a:cs typeface="Times New Roman" panose="02020603050405020304" pitchFamily="18" charset="0"/>
-                      </a:endParaRPr>
-                    </a:p>
-                  </a:txBody>
-                  <a:tcPr marL="68580" marR="68580" marT="0" marB="0"/>
-                </a:tc>
+      <mc:AlternateContent xmlns:mc="http://schemas.openxmlformats.org/markup-compatibility/2006">
+        <mc:Choice xmlns:a14="http://schemas.microsoft.com/office/drawing/2010/main" Requires="a14">
+          <p:graphicFrame>
+            <p:nvGraphicFramePr>
+              <p:cNvPr id="4" name="Таблица 3">
                 <a:extLst>
-                  <a:ext uri="{0D108BD9-81ED-4DB2-BD59-A6C34878D82A}">
-                    <a16:rowId xmlns:a16="http://schemas.microsoft.com/office/drawing/2014/main" val="849739902"/>
+                  <a:ext uri="{FF2B5EF4-FFF2-40B4-BE49-F238E27FC236}">
+                    <a16:creationId xmlns:a16="http://schemas.microsoft.com/office/drawing/2014/main" id="{5C382600-D945-4C15-95CE-1CDD20F40F50}"/>
                   </a:ext>
                 </a:extLst>
-              </a:tr>
-              <a:tr h="620133">
-                <a:tc>
-                  <a:txBody>
-                    <a:bodyPr/>
-                    <a:lstStyle/>
-                    <a:p>
-                      <a:pPr>
-                        <a:lnSpc>
-                          <a:spcPct val="150000"/>
-                        </a:lnSpc>
-                        <a:spcAft>
-                          <a:spcPts val="0"/>
-                        </a:spcAft>
-                      </a:pPr>
-                      <a:r>
-                        <a:rPr lang="ru-RU" sz="2400" dirty="0">
-                          <a:effectLst/>
-                        </a:rPr>
-                        <a:t>Максимальное время, мкс</a:t>
-                      </a:r>
-                      <a:endParaRPr lang="ru-RU" sz="1800" dirty="0">
-                        <a:effectLst/>
-                        <a:latin typeface="Calibri" panose="020F0502020204030204" pitchFamily="34" charset="0"/>
-                        <a:ea typeface="Calibri" panose="020F0502020204030204" pitchFamily="34" charset="0"/>
-                        <a:cs typeface="Times New Roman" panose="02020603050405020304" pitchFamily="18" charset="0"/>
-                      </a:endParaRPr>
-                    </a:p>
-                  </a:txBody>
-                  <a:tcPr marL="68580" marR="68580" marT="0" marB="0"/>
-                </a:tc>
-                <a:tc>
-                  <a:txBody>
-                    <a:bodyPr/>
-                    <a:lstStyle/>
-                    <a:p>
-                      <a:pPr>
-                        <a:lnSpc>
-                          <a:spcPct val="150000"/>
-                        </a:lnSpc>
-                        <a:spcAft>
-                          <a:spcPts val="0"/>
-                        </a:spcAft>
-                      </a:pPr>
-                      <a:r>
-                        <a:rPr lang="ru-RU" sz="2400" dirty="0">
-                          <a:effectLst/>
-                        </a:rPr>
-                        <a:t>260</a:t>
-                      </a:r>
-                      <a:endParaRPr lang="ru-RU" sz="1800" dirty="0">
-                        <a:effectLst/>
-                        <a:latin typeface="Calibri" panose="020F0502020204030204" pitchFamily="34" charset="0"/>
-                        <a:ea typeface="Calibri" panose="020F0502020204030204" pitchFamily="34" charset="0"/>
-                        <a:cs typeface="Times New Roman" panose="02020603050405020304" pitchFamily="18" charset="0"/>
-                      </a:endParaRPr>
-                    </a:p>
-                  </a:txBody>
-                  <a:tcPr marL="68580" marR="68580" marT="0" marB="0"/>
-                </a:tc>
-                <a:tc>
-                  <a:txBody>
-                    <a:bodyPr/>
-                    <a:lstStyle/>
-                    <a:p>
-                      <a:pPr>
-                        <a:lnSpc>
-                          <a:spcPct val="150000"/>
-                        </a:lnSpc>
-                        <a:spcAft>
-                          <a:spcPts val="0"/>
-                        </a:spcAft>
-                      </a:pPr>
-                      <a:r>
-                        <a:rPr lang="ru-RU" sz="2400">
-                          <a:effectLst/>
-                        </a:rPr>
-                        <a:t>5003</a:t>
-                      </a:r>
-                      <a:endParaRPr lang="ru-RU" sz="1800">
-                        <a:effectLst/>
-                        <a:latin typeface="Calibri" panose="020F0502020204030204" pitchFamily="34" charset="0"/>
-                        <a:ea typeface="Calibri" panose="020F0502020204030204" pitchFamily="34" charset="0"/>
-                        <a:cs typeface="Times New Roman" panose="02020603050405020304" pitchFamily="18" charset="0"/>
-                      </a:endParaRPr>
-                    </a:p>
-                  </a:txBody>
-                  <a:tcPr marL="68580" marR="68580" marT="0" marB="0"/>
-                </a:tc>
+              </p:cNvPr>
+              <p:cNvGraphicFramePr>
+                <a:graphicFrameLocks noGrp="1"/>
+              </p:cNvGraphicFramePr>
+              <p:nvPr>
+                <p:extLst>
+                  <p:ext uri="{D42A27DB-BD31-4B8C-83A1-F6EECF244321}">
+                    <p14:modId xmlns:p14="http://schemas.microsoft.com/office/powerpoint/2010/main" val="3232516275"/>
+                  </p:ext>
+                </p:extLst>
+              </p:nvPr>
+            </p:nvGraphicFramePr>
+            <p:xfrm>
+              <a:off x="1007012" y="2757268"/>
+              <a:ext cx="9670366" cy="3757228"/>
+            </p:xfrm>
+            <a:graphic>
+              <a:graphicData uri="http://schemas.openxmlformats.org/drawingml/2006/table">
+                <a:tbl>
+                  <a:tblPr firstRow="1" firstCol="1" bandRow="1">
+                    <a:tableStyleId>{5C22544A-7EE6-4342-B048-85BDC9FD1C3A}</a:tableStyleId>
+                  </a:tblPr>
+                  <a:tblGrid>
+                    <a:gridCol w="5843954">
+                      <a:extLst>
+                        <a:ext uri="{9D8B030D-6E8A-4147-A177-3AD203B41FA5}">
+                          <a16:colId xmlns:a16="http://schemas.microsoft.com/office/drawing/2014/main" val="4289919192"/>
+                        </a:ext>
+                      </a:extLst>
+                    </a:gridCol>
+                    <a:gridCol w="1772529">
+                      <a:extLst>
+                        <a:ext uri="{9D8B030D-6E8A-4147-A177-3AD203B41FA5}">
+                          <a16:colId xmlns:a16="http://schemas.microsoft.com/office/drawing/2014/main" val="1220807851"/>
+                        </a:ext>
+                      </a:extLst>
+                    </a:gridCol>
+                    <a:gridCol w="2053883">
+                      <a:extLst>
+                        <a:ext uri="{9D8B030D-6E8A-4147-A177-3AD203B41FA5}">
+                          <a16:colId xmlns:a16="http://schemas.microsoft.com/office/drawing/2014/main" val="1780326536"/>
+                        </a:ext>
+                      </a:extLst>
+                    </a:gridCol>
+                  </a:tblGrid>
+                  <a:tr h="620133">
+                    <a:tc>
+                      <a:txBody>
+                        <a:bodyPr/>
+                        <a:lstStyle/>
+                        <a:p>
+                          <a:pPr>
+                            <a:lnSpc>
+                              <a:spcPct val="150000"/>
+                            </a:lnSpc>
+                            <a:spcAft>
+                              <a:spcPts val="0"/>
+                            </a:spcAft>
+                          </a:pPr>
+                          <a:r>
+                            <a:rPr lang="ru-RU" sz="2400" dirty="0">
+                              <a:effectLst/>
+                            </a:rPr>
+                            <a:t>Алгоритм</a:t>
+                          </a:r>
+                          <a:endParaRPr lang="ru-RU" sz="1800" dirty="0">
+                            <a:effectLst/>
+                            <a:latin typeface="Calibri" panose="020F0502020204030204" pitchFamily="34" charset="0"/>
+                            <a:ea typeface="Calibri" panose="020F0502020204030204" pitchFamily="34" charset="0"/>
+                            <a:cs typeface="Times New Roman" panose="02020603050405020304" pitchFamily="18" charset="0"/>
+                          </a:endParaRPr>
+                        </a:p>
+                      </a:txBody>
+                      <a:tcPr marL="68580" marR="68580" marT="0" marB="0"/>
+                    </a:tc>
+                    <a:tc>
+                      <a:txBody>
+                        <a:bodyPr/>
+                        <a:lstStyle/>
+                        <a:p>
+                          <a:pPr>
+                            <a:lnSpc>
+                              <a:spcPct val="150000"/>
+                            </a:lnSpc>
+                            <a:spcAft>
+                              <a:spcPts val="0"/>
+                            </a:spcAft>
+                          </a:pPr>
+                          <a:r>
+                            <a:rPr lang="en-US" sz="2400">
+                              <a:effectLst/>
+                            </a:rPr>
+                            <a:t>SAT</a:t>
+                          </a:r>
+                          <a:endParaRPr lang="ru-RU" sz="1800">
+                            <a:effectLst/>
+                            <a:latin typeface="Calibri" panose="020F0502020204030204" pitchFamily="34" charset="0"/>
+                            <a:ea typeface="Calibri" panose="020F0502020204030204" pitchFamily="34" charset="0"/>
+                            <a:cs typeface="Times New Roman" panose="02020603050405020304" pitchFamily="18" charset="0"/>
+                          </a:endParaRPr>
+                        </a:p>
+                      </a:txBody>
+                      <a:tcPr marL="68580" marR="68580" marT="0" marB="0"/>
+                    </a:tc>
+                    <a:tc>
+                      <a:txBody>
+                        <a:bodyPr/>
+                        <a:lstStyle/>
+                        <a:p>
+                          <a:pPr>
+                            <a:lnSpc>
+                              <a:spcPct val="150000"/>
+                            </a:lnSpc>
+                            <a:spcAft>
+                              <a:spcPts val="0"/>
+                            </a:spcAft>
+                          </a:pPr>
+                          <a:r>
+                            <a:rPr lang="en-US" sz="2400">
+                              <a:effectLst/>
+                            </a:rPr>
+                            <a:t>GJK</a:t>
+                          </a:r>
+                          <a:endParaRPr lang="ru-RU" sz="1800">
+                            <a:effectLst/>
+                            <a:latin typeface="Calibri" panose="020F0502020204030204" pitchFamily="34" charset="0"/>
+                            <a:ea typeface="Calibri" panose="020F0502020204030204" pitchFamily="34" charset="0"/>
+                            <a:cs typeface="Times New Roman" panose="02020603050405020304" pitchFamily="18" charset="0"/>
+                          </a:endParaRPr>
+                        </a:p>
+                      </a:txBody>
+                      <a:tcPr marL="68580" marR="68580" marT="0" marB="0"/>
+                    </a:tc>
+                    <a:extLst>
+                      <a:ext uri="{0D108BD9-81ED-4DB2-BD59-A6C34878D82A}">
+                        <a16:rowId xmlns:a16="http://schemas.microsoft.com/office/drawing/2014/main" val="849739902"/>
+                      </a:ext>
+                    </a:extLst>
+                  </a:tr>
+                  <a:tr h="620133">
+                    <a:tc>
+                      <a:txBody>
+                        <a:bodyPr/>
+                        <a:lstStyle/>
+                        <a:p>
+                          <a:pPr>
+                            <a:lnSpc>
+                              <a:spcPct val="150000"/>
+                            </a:lnSpc>
+                            <a:spcAft>
+                              <a:spcPts val="0"/>
+                            </a:spcAft>
+                          </a:pPr>
+                          <a:r>
+                            <a:rPr lang="ru-RU" sz="2400" dirty="0">
+                              <a:effectLst/>
+                            </a:rPr>
+                            <a:t>Максимальное время, мкс</a:t>
+                          </a:r>
+                          <a:endParaRPr lang="ru-RU" sz="1800" dirty="0">
+                            <a:effectLst/>
+                            <a:latin typeface="Calibri" panose="020F0502020204030204" pitchFamily="34" charset="0"/>
+                            <a:ea typeface="Calibri" panose="020F0502020204030204" pitchFamily="34" charset="0"/>
+                            <a:cs typeface="Times New Roman" panose="02020603050405020304" pitchFamily="18" charset="0"/>
+                          </a:endParaRPr>
+                        </a:p>
+                      </a:txBody>
+                      <a:tcPr marL="68580" marR="68580" marT="0" marB="0"/>
+                    </a:tc>
+                    <a:tc>
+                      <a:txBody>
+                        <a:bodyPr/>
+                        <a:lstStyle/>
+                        <a:p>
+                          <a:pPr>
+                            <a:lnSpc>
+                              <a:spcPct val="150000"/>
+                            </a:lnSpc>
+                            <a:spcAft>
+                              <a:spcPts val="0"/>
+                            </a:spcAft>
+                          </a:pPr>
+                          <a14:m>
+                            <m:oMathPara xmlns:m="http://schemas.openxmlformats.org/officeDocument/2006/math">
+                              <m:oMathParaPr>
+                                <m:jc m:val="centerGroup"/>
+                              </m:oMathParaPr>
+                              <m:oMath xmlns:m="http://schemas.openxmlformats.org/officeDocument/2006/math">
+                                <m:r>
+                                  <a:rPr lang="en-US" sz="2400" b="0" i="1" smtClean="0">
+                                    <a:effectLst/>
+                                    <a:latin typeface="Cambria Math" panose="02040503050406030204" pitchFamily="18" charset="0"/>
+                                    <a:ea typeface="Cambria Math" panose="02040503050406030204" pitchFamily="18" charset="0"/>
+                                  </a:rPr>
+                                  <m:t>266</m:t>
+                                </m:r>
+                              </m:oMath>
+                            </m:oMathPara>
+                          </a14:m>
+                          <a:endParaRPr lang="ru-RU" sz="1800" dirty="0">
+                            <a:effectLst/>
+                            <a:latin typeface="Calibri" panose="020F0502020204030204" pitchFamily="34" charset="0"/>
+                            <a:ea typeface="Calibri" panose="020F0502020204030204" pitchFamily="34" charset="0"/>
+                            <a:cs typeface="Times New Roman" panose="02020603050405020304" pitchFamily="18" charset="0"/>
+                          </a:endParaRPr>
+                        </a:p>
+                      </a:txBody>
+                      <a:tcPr marL="68580" marR="68580" marT="0" marB="0"/>
+                    </a:tc>
+                    <a:tc>
+                      <a:txBody>
+                        <a:bodyPr/>
+                        <a:lstStyle/>
+                        <a:p>
+                          <a:pPr>
+                            <a:lnSpc>
+                              <a:spcPct val="150000"/>
+                            </a:lnSpc>
+                            <a:spcAft>
+                              <a:spcPts val="0"/>
+                            </a:spcAft>
+                          </a:pPr>
+                          <a14:m>
+                            <m:oMathPara xmlns:m="http://schemas.openxmlformats.org/officeDocument/2006/math">
+                              <m:oMathParaPr>
+                                <m:jc m:val="centerGroup"/>
+                              </m:oMathParaPr>
+                              <m:oMath xmlns:m="http://schemas.openxmlformats.org/officeDocument/2006/math">
+                                <m:r>
+                                  <a:rPr lang="en-US" sz="2400" b="0" i="1" smtClean="0">
+                                    <a:effectLst/>
+                                    <a:latin typeface="Cambria Math" panose="02040503050406030204" pitchFamily="18" charset="0"/>
+                                    <a:ea typeface="Cambria Math" panose="02040503050406030204" pitchFamily="18" charset="0"/>
+                                  </a:rPr>
+                                  <m:t>3290</m:t>
+                                </m:r>
+                              </m:oMath>
+                            </m:oMathPara>
+                          </a14:m>
+                          <a:endParaRPr lang="ru-RU" sz="1800" dirty="0">
+                            <a:effectLst/>
+                            <a:latin typeface="Calibri" panose="020F0502020204030204" pitchFamily="34" charset="0"/>
+                            <a:ea typeface="Calibri" panose="020F0502020204030204" pitchFamily="34" charset="0"/>
+                            <a:cs typeface="Times New Roman" panose="02020603050405020304" pitchFamily="18" charset="0"/>
+                          </a:endParaRPr>
+                        </a:p>
+                      </a:txBody>
+                      <a:tcPr marL="68580" marR="68580" marT="0" marB="0"/>
+                    </a:tc>
+                    <a:extLst>
+                      <a:ext uri="{0D108BD9-81ED-4DB2-BD59-A6C34878D82A}">
+                        <a16:rowId xmlns:a16="http://schemas.microsoft.com/office/drawing/2014/main" val="1554589538"/>
+                      </a:ext>
+                    </a:extLst>
+                  </a:tr>
+                  <a:tr h="620133">
+                    <a:tc>
+                      <a:txBody>
+                        <a:bodyPr/>
+                        <a:lstStyle/>
+                        <a:p>
+                          <a:pPr>
+                            <a:lnSpc>
+                              <a:spcPct val="150000"/>
+                            </a:lnSpc>
+                            <a:spcAft>
+                              <a:spcPts val="0"/>
+                            </a:spcAft>
+                          </a:pPr>
+                          <a:r>
+                            <a:rPr lang="ru-RU" sz="2400" dirty="0">
+                              <a:effectLst/>
+                            </a:rPr>
+                            <a:t>Минимальное время, мкс</a:t>
+                          </a:r>
+                          <a:endParaRPr lang="ru-RU" sz="1800" dirty="0">
+                            <a:effectLst/>
+                            <a:latin typeface="Calibri" panose="020F0502020204030204" pitchFamily="34" charset="0"/>
+                            <a:ea typeface="Calibri" panose="020F0502020204030204" pitchFamily="34" charset="0"/>
+                            <a:cs typeface="Times New Roman" panose="02020603050405020304" pitchFamily="18" charset="0"/>
+                          </a:endParaRPr>
+                        </a:p>
+                      </a:txBody>
+                      <a:tcPr marL="68580" marR="68580" marT="0" marB="0"/>
+                    </a:tc>
+                    <a:tc>
+                      <a:txBody>
+                        <a:bodyPr/>
+                        <a:lstStyle/>
+                        <a:p>
+                          <a:pPr>
+                            <a:lnSpc>
+                              <a:spcPct val="150000"/>
+                            </a:lnSpc>
+                            <a:spcAft>
+                              <a:spcPts val="0"/>
+                            </a:spcAft>
+                          </a:pPr>
+                          <a14:m>
+                            <m:oMathPara xmlns:m="http://schemas.openxmlformats.org/officeDocument/2006/math">
+                              <m:oMathParaPr>
+                                <m:jc m:val="centerGroup"/>
+                              </m:oMathParaPr>
+                              <m:oMath xmlns:m="http://schemas.openxmlformats.org/officeDocument/2006/math">
+                                <m:r>
+                                  <a:rPr lang="en-US" sz="2400" b="0" i="1" smtClean="0">
+                                    <a:effectLst/>
+                                    <a:latin typeface="Cambria Math" panose="02040503050406030204" pitchFamily="18" charset="0"/>
+                                    <a:ea typeface="Cambria Math" panose="02040503050406030204" pitchFamily="18" charset="0"/>
+                                  </a:rPr>
+                                  <m:t>12</m:t>
+                                </m:r>
+                              </m:oMath>
+                            </m:oMathPara>
+                          </a14:m>
+                          <a:endParaRPr lang="ru-RU" sz="1800" dirty="0">
+                            <a:effectLst/>
+                            <a:latin typeface="Calibri" panose="020F0502020204030204" pitchFamily="34" charset="0"/>
+                            <a:ea typeface="Calibri" panose="020F0502020204030204" pitchFamily="34" charset="0"/>
+                            <a:cs typeface="Times New Roman" panose="02020603050405020304" pitchFamily="18" charset="0"/>
+                          </a:endParaRPr>
+                        </a:p>
+                      </a:txBody>
+                      <a:tcPr marL="68580" marR="68580" marT="0" marB="0"/>
+                    </a:tc>
+                    <a:tc>
+                      <a:txBody>
+                        <a:bodyPr/>
+                        <a:lstStyle/>
+                        <a:p>
+                          <a:pPr>
+                            <a:lnSpc>
+                              <a:spcPct val="150000"/>
+                            </a:lnSpc>
+                            <a:spcAft>
+                              <a:spcPts val="0"/>
+                            </a:spcAft>
+                          </a:pPr>
+                          <a14:m>
+                            <m:oMathPara xmlns:m="http://schemas.openxmlformats.org/officeDocument/2006/math">
+                              <m:oMathParaPr>
+                                <m:jc m:val="centerGroup"/>
+                              </m:oMathParaPr>
+                              <m:oMath xmlns:m="http://schemas.openxmlformats.org/officeDocument/2006/math">
+                                <m:r>
+                                  <a:rPr lang="en-US" sz="2400" b="0" i="1" smtClean="0">
+                                    <a:effectLst/>
+                                    <a:latin typeface="Cambria Math" panose="02040503050406030204" pitchFamily="18" charset="0"/>
+                                    <a:ea typeface="Cambria Math" panose="02040503050406030204" pitchFamily="18" charset="0"/>
+                                  </a:rPr>
+                                  <m:t>328</m:t>
+                                </m:r>
+                              </m:oMath>
+                            </m:oMathPara>
+                          </a14:m>
+                          <a:endParaRPr lang="ru-RU" sz="1800" dirty="0">
+                            <a:effectLst/>
+                            <a:latin typeface="Calibri" panose="020F0502020204030204" pitchFamily="34" charset="0"/>
+                            <a:ea typeface="Calibri" panose="020F0502020204030204" pitchFamily="34" charset="0"/>
+                            <a:cs typeface="Times New Roman" panose="02020603050405020304" pitchFamily="18" charset="0"/>
+                          </a:endParaRPr>
+                        </a:p>
+                      </a:txBody>
+                      <a:tcPr marL="68580" marR="68580" marT="0" marB="0"/>
+                    </a:tc>
+                    <a:extLst>
+                      <a:ext uri="{0D108BD9-81ED-4DB2-BD59-A6C34878D82A}">
+                        <a16:rowId xmlns:a16="http://schemas.microsoft.com/office/drawing/2014/main" val="3660005173"/>
+                      </a:ext>
+                    </a:extLst>
+                  </a:tr>
+                  <a:tr h="620133">
+                    <a:tc>
+                      <a:txBody>
+                        <a:bodyPr/>
+                        <a:lstStyle/>
+                        <a:p>
+                          <a:pPr>
+                            <a:lnSpc>
+                              <a:spcPct val="150000"/>
+                            </a:lnSpc>
+                            <a:spcAft>
+                              <a:spcPts val="0"/>
+                            </a:spcAft>
+                          </a:pPr>
+                          <a:r>
+                            <a:rPr lang="ru-RU" sz="2400">
+                              <a:effectLst/>
+                            </a:rPr>
+                            <a:t>Среднее время период измерений, мкс</a:t>
+                          </a:r>
+                          <a:endParaRPr lang="ru-RU" sz="1800">
+                            <a:effectLst/>
+                            <a:latin typeface="Calibri" panose="020F0502020204030204" pitchFamily="34" charset="0"/>
+                            <a:ea typeface="Calibri" panose="020F0502020204030204" pitchFamily="34" charset="0"/>
+                            <a:cs typeface="Times New Roman" panose="02020603050405020304" pitchFamily="18" charset="0"/>
+                          </a:endParaRPr>
+                        </a:p>
+                      </a:txBody>
+                      <a:tcPr marL="68580" marR="68580" marT="0" marB="0"/>
+                    </a:tc>
+                    <a:tc>
+                      <a:txBody>
+                        <a:bodyPr/>
+                        <a:lstStyle/>
+                        <a:p>
+                          <a:pPr>
+                            <a:lnSpc>
+                              <a:spcPct val="150000"/>
+                            </a:lnSpc>
+                            <a:spcAft>
+                              <a:spcPts val="0"/>
+                            </a:spcAft>
+                          </a:pPr>
+                          <a14:m>
+                            <m:oMathPara xmlns:m="http://schemas.openxmlformats.org/officeDocument/2006/math">
+                              <m:oMathParaPr>
+                                <m:jc m:val="centerGroup"/>
+                              </m:oMathParaPr>
+                              <m:oMath xmlns:m="http://schemas.openxmlformats.org/officeDocument/2006/math">
+                                <m:r>
+                                  <a:rPr lang="en-US" sz="2400" b="0" i="1" smtClean="0">
+                                    <a:effectLst/>
+                                    <a:latin typeface="Cambria Math" panose="02040503050406030204" pitchFamily="18" charset="0"/>
+                                    <a:ea typeface="Cambria Math" panose="02040503050406030204" pitchFamily="18" charset="0"/>
+                                  </a:rPr>
+                                  <m:t>70,4</m:t>
+                                </m:r>
+                              </m:oMath>
+                            </m:oMathPara>
+                          </a14:m>
+                          <a:endParaRPr lang="ru-RU" sz="1800" dirty="0">
+                            <a:effectLst/>
+                            <a:latin typeface="Calibri" panose="020F0502020204030204" pitchFamily="34" charset="0"/>
+                            <a:ea typeface="Calibri" panose="020F0502020204030204" pitchFamily="34" charset="0"/>
+                            <a:cs typeface="Times New Roman" panose="02020603050405020304" pitchFamily="18" charset="0"/>
+                          </a:endParaRPr>
+                        </a:p>
+                      </a:txBody>
+                      <a:tcPr marL="68580" marR="68580" marT="0" marB="0"/>
+                    </a:tc>
+                    <a:tc>
+                      <a:txBody>
+                        <a:bodyPr/>
+                        <a:lstStyle/>
+                        <a:p>
+                          <a:pPr>
+                            <a:lnSpc>
+                              <a:spcPct val="150000"/>
+                            </a:lnSpc>
+                            <a:spcAft>
+                              <a:spcPts val="0"/>
+                            </a:spcAft>
+                          </a:pPr>
+                          <a14:m>
+                            <m:oMathPara xmlns:m="http://schemas.openxmlformats.org/officeDocument/2006/math">
+                              <m:oMathParaPr>
+                                <m:jc m:val="centerGroup"/>
+                              </m:oMathParaPr>
+                              <m:oMath xmlns:m="http://schemas.openxmlformats.org/officeDocument/2006/math">
+                                <m:r>
+                                  <a:rPr lang="en-US" sz="2400" b="0" i="1" smtClean="0">
+                                    <a:effectLst/>
+                                    <a:latin typeface="Cambria Math" panose="02040503050406030204" pitchFamily="18" charset="0"/>
+                                    <a:ea typeface="Cambria Math" panose="02040503050406030204" pitchFamily="18" charset="0"/>
+                                  </a:rPr>
+                                  <m:t>1540</m:t>
+                                </m:r>
+                              </m:oMath>
+                            </m:oMathPara>
+                          </a14:m>
+                          <a:endParaRPr lang="ru-RU" sz="1800" dirty="0">
+                            <a:effectLst/>
+                            <a:latin typeface="Calibri" panose="020F0502020204030204" pitchFamily="34" charset="0"/>
+                            <a:ea typeface="Calibri" panose="020F0502020204030204" pitchFamily="34" charset="0"/>
+                            <a:cs typeface="Times New Roman" panose="02020603050405020304" pitchFamily="18" charset="0"/>
+                          </a:endParaRPr>
+                        </a:p>
+                      </a:txBody>
+                      <a:tcPr marL="68580" marR="68580" marT="0" marB="0"/>
+                    </a:tc>
+                    <a:extLst>
+                      <a:ext uri="{0D108BD9-81ED-4DB2-BD59-A6C34878D82A}">
+                        <a16:rowId xmlns:a16="http://schemas.microsoft.com/office/drawing/2014/main" val="1856175383"/>
+                      </a:ext>
+                    </a:extLst>
+                  </a:tr>
+                  <a:tr h="656563">
+                    <a:tc>
+                      <a:txBody>
+                        <a:bodyPr/>
+                        <a:lstStyle/>
+                        <a:p>
+                          <a:pPr>
+                            <a:lnSpc>
+                              <a:spcPct val="150000"/>
+                            </a:lnSpc>
+                            <a:spcAft>
+                              <a:spcPts val="0"/>
+                            </a:spcAft>
+                          </a:pPr>
+                          <a:r>
+                            <a:rPr lang="ru-RU" sz="2400">
+                              <a:effectLst/>
+                            </a:rPr>
+                            <a:t>Количество вызовов за период измерений</a:t>
+                          </a:r>
+                          <a:endParaRPr lang="ru-RU" sz="1800">
+                            <a:effectLst/>
+                            <a:latin typeface="Calibri" panose="020F0502020204030204" pitchFamily="34" charset="0"/>
+                            <a:ea typeface="Calibri" panose="020F0502020204030204" pitchFamily="34" charset="0"/>
+                            <a:cs typeface="Times New Roman" panose="02020603050405020304" pitchFamily="18" charset="0"/>
+                          </a:endParaRPr>
+                        </a:p>
+                      </a:txBody>
+                      <a:tcPr marL="68580" marR="68580" marT="0" marB="0"/>
+                    </a:tc>
+                    <a:tc>
+                      <a:txBody>
+                        <a:bodyPr/>
+                        <a:lstStyle/>
+                        <a:p>
+                          <a:pPr>
+                            <a:lnSpc>
+                              <a:spcPct val="150000"/>
+                            </a:lnSpc>
+                            <a:spcAft>
+                              <a:spcPts val="0"/>
+                            </a:spcAft>
+                          </a:pPr>
+                          <a14:m>
+                            <m:oMathPara xmlns:m="http://schemas.openxmlformats.org/officeDocument/2006/math">
+                              <m:oMathParaPr>
+                                <m:jc m:val="centerGroup"/>
+                              </m:oMathParaPr>
+                              <m:oMath xmlns:m="http://schemas.openxmlformats.org/officeDocument/2006/math">
+                                <m:r>
+                                  <a:rPr lang="en-US" sz="2400" b="0" i="0" smtClean="0">
+                                    <a:effectLst/>
+                                    <a:latin typeface="Cambria Math" panose="02040503050406030204" pitchFamily="18" charset="0"/>
+                                    <a:ea typeface="Cambria Math" panose="02040503050406030204" pitchFamily="18" charset="0"/>
+                                  </a:rPr>
+                                  <m:t>2</m:t>
+                                </m:r>
+                                <m:r>
+                                  <a:rPr lang="en-US" sz="2400" i="1" smtClean="0">
+                                    <a:effectLst/>
+                                    <a:latin typeface="Cambria Math" panose="02040503050406030204" pitchFamily="18" charset="0"/>
+                                    <a:ea typeface="Cambria Math" panose="02040503050406030204" pitchFamily="18" charset="0"/>
+                                  </a:rPr>
+                                  <m:t>∙</m:t>
+                                </m:r>
+                                <m:sSup>
+                                  <m:sSupPr>
+                                    <m:ctrlPr>
+                                      <a:rPr lang="en-US" sz="2400" i="1" smtClean="0">
+                                        <a:effectLst/>
+                                        <a:latin typeface="Cambria Math" panose="02040503050406030204" pitchFamily="18" charset="0"/>
+                                      </a:rPr>
+                                    </m:ctrlPr>
+                                  </m:sSupPr>
+                                  <m:e>
+                                    <m:r>
+                                      <a:rPr lang="en-US" sz="2400" b="0" i="1" smtClean="0">
+                                        <a:effectLst/>
+                                        <a:latin typeface="Cambria Math" panose="02040503050406030204" pitchFamily="18" charset="0"/>
+                                      </a:rPr>
+                                      <m:t>10</m:t>
+                                    </m:r>
+                                  </m:e>
+                                  <m:sup>
+                                    <m:r>
+                                      <a:rPr lang="en-US" sz="2400" b="0" i="1" smtClean="0">
+                                        <a:effectLst/>
+                                        <a:latin typeface="Cambria Math" panose="02040503050406030204" pitchFamily="18" charset="0"/>
+                                      </a:rPr>
+                                      <m:t>4</m:t>
+                                    </m:r>
+                                  </m:sup>
+                                </m:sSup>
+                              </m:oMath>
+                            </m:oMathPara>
+                          </a14:m>
+                          <a:endParaRPr lang="ru-RU" sz="1800" dirty="0">
+                            <a:effectLst/>
+                            <a:latin typeface="Calibri" panose="020F0502020204030204" pitchFamily="34" charset="0"/>
+                            <a:ea typeface="Calibri" panose="020F0502020204030204" pitchFamily="34" charset="0"/>
+                            <a:cs typeface="Times New Roman" panose="02020603050405020304" pitchFamily="18" charset="0"/>
+                          </a:endParaRPr>
+                        </a:p>
+                      </a:txBody>
+                      <a:tcPr marL="68580" marR="68580" marT="0" marB="0"/>
+                    </a:tc>
+                    <a:tc>
+                      <a:txBody>
+                        <a:bodyPr/>
+                        <a:lstStyle/>
+                        <a:p>
+                          <a:pPr>
+                            <a:lnSpc>
+                              <a:spcPct val="150000"/>
+                            </a:lnSpc>
+                            <a:spcAft>
+                              <a:spcPts val="0"/>
+                            </a:spcAft>
+                          </a:pPr>
+                          <a14:m>
+                            <m:oMathPara xmlns:m="http://schemas.openxmlformats.org/officeDocument/2006/math">
+                              <m:oMathParaPr>
+                                <m:jc m:val="centerGroup"/>
+                              </m:oMathParaPr>
+                              <m:oMath xmlns:m="http://schemas.openxmlformats.org/officeDocument/2006/math">
+                                <m:r>
+                                  <a:rPr lang="en-US" sz="2400" b="0" i="0" smtClean="0">
+                                    <a:effectLst/>
+                                    <a:latin typeface="Cambria Math" panose="02040503050406030204" pitchFamily="18" charset="0"/>
+                                    <a:ea typeface="Cambria Math" panose="02040503050406030204" pitchFamily="18" charset="0"/>
+                                  </a:rPr>
+                                  <m:t>3,79</m:t>
+                                </m:r>
+                                <m:r>
+                                  <a:rPr lang="en-US" sz="2400" i="1" smtClean="0">
+                                    <a:effectLst/>
+                                    <a:latin typeface="Cambria Math" panose="02040503050406030204" pitchFamily="18" charset="0"/>
+                                    <a:ea typeface="Cambria Math" panose="02040503050406030204" pitchFamily="18" charset="0"/>
+                                  </a:rPr>
+                                  <m:t>∙</m:t>
+                                </m:r>
+                                <m:sSup>
+                                  <m:sSupPr>
+                                    <m:ctrlPr>
+                                      <a:rPr lang="en-US" sz="2400" i="1" smtClean="0">
+                                        <a:effectLst/>
+                                        <a:latin typeface="Cambria Math" panose="02040503050406030204" pitchFamily="18" charset="0"/>
+                                      </a:rPr>
+                                    </m:ctrlPr>
+                                  </m:sSupPr>
+                                  <m:e>
+                                    <m:r>
+                                      <a:rPr lang="en-US" sz="2400" b="0" i="1" smtClean="0">
+                                        <a:effectLst/>
+                                        <a:latin typeface="Cambria Math" panose="02040503050406030204" pitchFamily="18" charset="0"/>
+                                      </a:rPr>
+                                      <m:t>10</m:t>
+                                    </m:r>
+                                  </m:e>
+                                  <m:sup>
+                                    <m:r>
+                                      <a:rPr lang="en-US" sz="2400" b="0" i="1" smtClean="0">
+                                        <a:effectLst/>
+                                        <a:latin typeface="Cambria Math" panose="02040503050406030204" pitchFamily="18" charset="0"/>
+                                      </a:rPr>
+                                      <m:t>4</m:t>
+                                    </m:r>
+                                  </m:sup>
+                                </m:sSup>
+                              </m:oMath>
+                            </m:oMathPara>
+                          </a14:m>
+                          <a:endParaRPr lang="ru-RU" sz="1800" dirty="0">
+                            <a:effectLst/>
+                            <a:latin typeface="Calibri" panose="020F0502020204030204" pitchFamily="34" charset="0"/>
+                            <a:ea typeface="Calibri" panose="020F0502020204030204" pitchFamily="34" charset="0"/>
+                            <a:cs typeface="Times New Roman" panose="02020603050405020304" pitchFamily="18" charset="0"/>
+                          </a:endParaRPr>
+                        </a:p>
+                      </a:txBody>
+                      <a:tcPr marL="68580" marR="68580" marT="0" marB="0"/>
+                    </a:tc>
+                    <a:extLst>
+                      <a:ext uri="{0D108BD9-81ED-4DB2-BD59-A6C34878D82A}">
+                        <a16:rowId xmlns:a16="http://schemas.microsoft.com/office/drawing/2014/main" val="3702245355"/>
+                      </a:ext>
+                    </a:extLst>
+                  </a:tr>
+                  <a:tr h="620133">
+                    <a:tc>
+                      <a:txBody>
+                        <a:bodyPr/>
+                        <a:lstStyle/>
+                        <a:p>
+                          <a:pPr>
+                            <a:lnSpc>
+                              <a:spcPct val="150000"/>
+                            </a:lnSpc>
+                            <a:spcAft>
+                              <a:spcPts val="0"/>
+                            </a:spcAft>
+                          </a:pPr>
+                          <a:r>
+                            <a:rPr lang="ru-RU" sz="2400">
+                              <a:effectLst/>
+                            </a:rPr>
+                            <a:t>Общее время за период измерений, мкс</a:t>
+                          </a:r>
+                          <a:endParaRPr lang="ru-RU" sz="1800">
+                            <a:effectLst/>
+                            <a:latin typeface="Calibri" panose="020F0502020204030204" pitchFamily="34" charset="0"/>
+                            <a:ea typeface="Calibri" panose="020F0502020204030204" pitchFamily="34" charset="0"/>
+                            <a:cs typeface="Times New Roman" panose="02020603050405020304" pitchFamily="18" charset="0"/>
+                          </a:endParaRPr>
+                        </a:p>
+                      </a:txBody>
+                      <a:tcPr marL="68580" marR="68580" marT="0" marB="0"/>
+                    </a:tc>
+                    <a:tc>
+                      <a:txBody>
+                        <a:bodyPr/>
+                        <a:lstStyle/>
+                        <a:p>
+                          <a:pPr>
+                            <a:lnSpc>
+                              <a:spcPct val="150000"/>
+                            </a:lnSpc>
+                            <a:spcAft>
+                              <a:spcPts val="0"/>
+                            </a:spcAft>
+                          </a:pPr>
+                          <a14:m>
+                            <m:oMathPara xmlns:m="http://schemas.openxmlformats.org/officeDocument/2006/math">
+                              <m:oMathParaPr>
+                                <m:jc m:val="centerGroup"/>
+                              </m:oMathParaPr>
+                              <m:oMath xmlns:m="http://schemas.openxmlformats.org/officeDocument/2006/math">
+                                <m:r>
+                                  <a:rPr lang="en-US" sz="2400" b="0" i="0" smtClean="0">
+                                    <a:effectLst/>
+                                    <a:latin typeface="Cambria Math" panose="02040503050406030204" pitchFamily="18" charset="0"/>
+                                    <a:ea typeface="Cambria Math" panose="02040503050406030204" pitchFamily="18" charset="0"/>
+                                  </a:rPr>
+                                  <m:t>1,41</m:t>
+                                </m:r>
+                                <m:r>
+                                  <a:rPr lang="en-US" sz="2400" i="1" smtClean="0">
+                                    <a:effectLst/>
+                                    <a:latin typeface="Cambria Math" panose="02040503050406030204" pitchFamily="18" charset="0"/>
+                                    <a:ea typeface="Cambria Math" panose="02040503050406030204" pitchFamily="18" charset="0"/>
+                                  </a:rPr>
+                                  <m:t>∙</m:t>
+                                </m:r>
+                                <m:sSup>
+                                  <m:sSupPr>
+                                    <m:ctrlPr>
+                                      <a:rPr lang="en-US" sz="2400" i="1" smtClean="0">
+                                        <a:effectLst/>
+                                        <a:latin typeface="Cambria Math" panose="02040503050406030204" pitchFamily="18" charset="0"/>
+                                      </a:rPr>
+                                    </m:ctrlPr>
+                                  </m:sSupPr>
+                                  <m:e>
+                                    <m:r>
+                                      <a:rPr lang="en-US" sz="2400" b="0" i="1" smtClean="0">
+                                        <a:effectLst/>
+                                        <a:latin typeface="Cambria Math" panose="02040503050406030204" pitchFamily="18" charset="0"/>
+                                      </a:rPr>
+                                      <m:t>10</m:t>
+                                    </m:r>
+                                  </m:e>
+                                  <m:sup>
+                                    <m:r>
+                                      <a:rPr lang="en-US" sz="2400" b="0" i="1" smtClean="0">
+                                        <a:effectLst/>
+                                        <a:latin typeface="Cambria Math" panose="02040503050406030204" pitchFamily="18" charset="0"/>
+                                      </a:rPr>
+                                      <m:t>6</m:t>
+                                    </m:r>
+                                  </m:sup>
+                                </m:sSup>
+                              </m:oMath>
+                            </m:oMathPara>
+                          </a14:m>
+                          <a:endParaRPr lang="ru-RU" sz="1800" dirty="0">
+                            <a:effectLst/>
+                            <a:latin typeface="Calibri" panose="020F0502020204030204" pitchFamily="34" charset="0"/>
+                            <a:ea typeface="Calibri" panose="020F0502020204030204" pitchFamily="34" charset="0"/>
+                            <a:cs typeface="Times New Roman" panose="02020603050405020304" pitchFamily="18" charset="0"/>
+                          </a:endParaRPr>
+                        </a:p>
+                      </a:txBody>
+                      <a:tcPr marL="68580" marR="68580" marT="0" marB="0"/>
+                    </a:tc>
+                    <a:tc>
+                      <a:txBody>
+                        <a:bodyPr/>
+                        <a:lstStyle/>
+                        <a:p>
+                          <a:pPr>
+                            <a:lnSpc>
+                              <a:spcPct val="150000"/>
+                            </a:lnSpc>
+                            <a:spcAft>
+                              <a:spcPts val="0"/>
+                            </a:spcAft>
+                          </a:pPr>
+                          <a14:m>
+                            <m:oMathPara xmlns:m="http://schemas.openxmlformats.org/officeDocument/2006/math">
+                              <m:oMathParaPr>
+                                <m:jc m:val="centerGroup"/>
+                              </m:oMathParaPr>
+                              <m:oMath xmlns:m="http://schemas.openxmlformats.org/officeDocument/2006/math">
+                                <m:r>
+                                  <a:rPr lang="en-US" sz="2400" b="0" i="0" smtClean="0">
+                                    <a:effectLst/>
+                                    <a:latin typeface="Cambria Math" panose="02040503050406030204" pitchFamily="18" charset="0"/>
+                                    <a:ea typeface="Cambria Math" panose="02040503050406030204" pitchFamily="18" charset="0"/>
+                                  </a:rPr>
+                                  <m:t>5,85</m:t>
+                                </m:r>
+                                <m:r>
+                                  <a:rPr lang="en-US" sz="2400" i="1" smtClean="0">
+                                    <a:effectLst/>
+                                    <a:latin typeface="Cambria Math" panose="02040503050406030204" pitchFamily="18" charset="0"/>
+                                    <a:ea typeface="Cambria Math" panose="02040503050406030204" pitchFamily="18" charset="0"/>
+                                  </a:rPr>
+                                  <m:t>∙</m:t>
+                                </m:r>
+                                <m:sSup>
+                                  <m:sSupPr>
+                                    <m:ctrlPr>
+                                      <a:rPr lang="en-US" sz="2400" i="1" smtClean="0">
+                                        <a:effectLst/>
+                                        <a:latin typeface="Cambria Math" panose="02040503050406030204" pitchFamily="18" charset="0"/>
+                                      </a:rPr>
+                                    </m:ctrlPr>
+                                  </m:sSupPr>
+                                  <m:e>
+                                    <m:r>
+                                      <a:rPr lang="en-US" sz="2400" b="0" i="1" smtClean="0">
+                                        <a:effectLst/>
+                                        <a:latin typeface="Cambria Math" panose="02040503050406030204" pitchFamily="18" charset="0"/>
+                                      </a:rPr>
+                                      <m:t>10</m:t>
+                                    </m:r>
+                                  </m:e>
+                                  <m:sup>
+                                    <m:r>
+                                      <a:rPr lang="en-US" sz="2400" b="0" i="1" smtClean="0">
+                                        <a:effectLst/>
+                                        <a:latin typeface="Cambria Math" panose="02040503050406030204" pitchFamily="18" charset="0"/>
+                                      </a:rPr>
+                                      <m:t>7</m:t>
+                                    </m:r>
+                                  </m:sup>
+                                </m:sSup>
+                              </m:oMath>
+                            </m:oMathPara>
+                          </a14:m>
+                          <a:endParaRPr lang="ru-RU" sz="1800" dirty="0">
+                            <a:effectLst/>
+                            <a:latin typeface="Calibri" panose="020F0502020204030204" pitchFamily="34" charset="0"/>
+                            <a:ea typeface="Calibri" panose="020F0502020204030204" pitchFamily="34" charset="0"/>
+                            <a:cs typeface="Times New Roman" panose="02020603050405020304" pitchFamily="18" charset="0"/>
+                          </a:endParaRPr>
+                        </a:p>
+                      </a:txBody>
+                      <a:tcPr marL="68580" marR="68580" marT="0" marB="0"/>
+                    </a:tc>
+                    <a:extLst>
+                      <a:ext uri="{0D108BD9-81ED-4DB2-BD59-A6C34878D82A}">
+                        <a16:rowId xmlns:a16="http://schemas.microsoft.com/office/drawing/2014/main" val="1197342597"/>
+                      </a:ext>
+                    </a:extLst>
+                  </a:tr>
+                </a:tbl>
+              </a:graphicData>
+            </a:graphic>
+          </p:graphicFrame>
+        </mc:Choice>
+        <mc:Fallback>
+          <p:graphicFrame>
+            <p:nvGraphicFramePr>
+              <p:cNvPr id="4" name="Таблица 3">
                 <a:extLst>
-                  <a:ext uri="{0D108BD9-81ED-4DB2-BD59-A6C34878D82A}">
-                    <a16:rowId xmlns:a16="http://schemas.microsoft.com/office/drawing/2014/main" val="1554589538"/>
+                  <a:ext uri="{FF2B5EF4-FFF2-40B4-BE49-F238E27FC236}">
+                    <a16:creationId xmlns:a16="http://schemas.microsoft.com/office/drawing/2014/main" id="{5C382600-D945-4C15-95CE-1CDD20F40F50}"/>
                   </a:ext>
                 </a:extLst>
-              </a:tr>
-              <a:tr h="620133">
-                <a:tc>
-                  <a:txBody>
-                    <a:bodyPr/>
-                    <a:lstStyle/>
-                    <a:p>
-                      <a:pPr>
-                        <a:lnSpc>
-                          <a:spcPct val="150000"/>
-                        </a:lnSpc>
-                        <a:spcAft>
-                          <a:spcPts val="0"/>
-                        </a:spcAft>
-                      </a:pPr>
-                      <a:r>
-                        <a:rPr lang="ru-RU" sz="2400" dirty="0">
-                          <a:effectLst/>
-                        </a:rPr>
-                        <a:t>Минимальное время, мкс</a:t>
-                      </a:r>
-                      <a:endParaRPr lang="ru-RU" sz="1800" dirty="0">
-                        <a:effectLst/>
-                        <a:latin typeface="Calibri" panose="020F0502020204030204" pitchFamily="34" charset="0"/>
-                        <a:ea typeface="Calibri" panose="020F0502020204030204" pitchFamily="34" charset="0"/>
-                        <a:cs typeface="Times New Roman" panose="02020603050405020304" pitchFamily="18" charset="0"/>
-                      </a:endParaRPr>
-                    </a:p>
-                  </a:txBody>
-                  <a:tcPr marL="68580" marR="68580" marT="0" marB="0"/>
-                </a:tc>
-                <a:tc>
-                  <a:txBody>
-                    <a:bodyPr/>
-                    <a:lstStyle/>
-                    <a:p>
-                      <a:pPr>
-                        <a:lnSpc>
-                          <a:spcPct val="150000"/>
-                        </a:lnSpc>
-                        <a:spcAft>
-                          <a:spcPts val="0"/>
-                        </a:spcAft>
-                      </a:pPr>
-                      <a:r>
-                        <a:rPr lang="ru-RU" sz="2400">
-                          <a:effectLst/>
-                        </a:rPr>
-                        <a:t>12</a:t>
-                      </a:r>
-                      <a:endParaRPr lang="ru-RU" sz="1800">
-                        <a:effectLst/>
-                        <a:latin typeface="Calibri" panose="020F0502020204030204" pitchFamily="34" charset="0"/>
-                        <a:ea typeface="Calibri" panose="020F0502020204030204" pitchFamily="34" charset="0"/>
-                        <a:cs typeface="Times New Roman" panose="02020603050405020304" pitchFamily="18" charset="0"/>
-                      </a:endParaRPr>
-                    </a:p>
-                  </a:txBody>
-                  <a:tcPr marL="68580" marR="68580" marT="0" marB="0"/>
-                </a:tc>
-                <a:tc>
-                  <a:txBody>
-                    <a:bodyPr/>
-                    <a:lstStyle/>
-                    <a:p>
-                      <a:pPr>
-                        <a:lnSpc>
-                          <a:spcPct val="150000"/>
-                        </a:lnSpc>
-                        <a:spcAft>
-                          <a:spcPts val="0"/>
-                        </a:spcAft>
-                      </a:pPr>
-                      <a:r>
-                        <a:rPr lang="ru-RU" sz="2400">
-                          <a:effectLst/>
-                        </a:rPr>
-                        <a:t>673</a:t>
-                      </a:r>
-                      <a:endParaRPr lang="ru-RU" sz="1800">
-                        <a:effectLst/>
-                        <a:latin typeface="Calibri" panose="020F0502020204030204" pitchFamily="34" charset="0"/>
-                        <a:ea typeface="Calibri" panose="020F0502020204030204" pitchFamily="34" charset="0"/>
-                        <a:cs typeface="Times New Roman" panose="02020603050405020304" pitchFamily="18" charset="0"/>
-                      </a:endParaRPr>
-                    </a:p>
-                  </a:txBody>
-                  <a:tcPr marL="68580" marR="68580" marT="0" marB="0"/>
-                </a:tc>
-                <a:extLst>
-                  <a:ext uri="{0D108BD9-81ED-4DB2-BD59-A6C34878D82A}">
-                    <a16:rowId xmlns:a16="http://schemas.microsoft.com/office/drawing/2014/main" val="3660005173"/>
-                  </a:ext>
-                </a:extLst>
-              </a:tr>
-              <a:tr h="620133">
-                <a:tc>
-                  <a:txBody>
-                    <a:bodyPr/>
-                    <a:lstStyle/>
-                    <a:p>
-                      <a:pPr>
-                        <a:lnSpc>
-                          <a:spcPct val="150000"/>
-                        </a:lnSpc>
-                        <a:spcAft>
-                          <a:spcPts val="0"/>
-                        </a:spcAft>
-                      </a:pPr>
-                      <a:r>
-                        <a:rPr lang="ru-RU" sz="2400">
-                          <a:effectLst/>
-                        </a:rPr>
-                        <a:t>Среднее время период измерений, мкс</a:t>
-                      </a:r>
-                      <a:endParaRPr lang="ru-RU" sz="1800">
-                        <a:effectLst/>
-                        <a:latin typeface="Calibri" panose="020F0502020204030204" pitchFamily="34" charset="0"/>
-                        <a:ea typeface="Calibri" panose="020F0502020204030204" pitchFamily="34" charset="0"/>
-                        <a:cs typeface="Times New Roman" panose="02020603050405020304" pitchFamily="18" charset="0"/>
-                      </a:endParaRPr>
-                    </a:p>
-                  </a:txBody>
-                  <a:tcPr marL="68580" marR="68580" marT="0" marB="0"/>
-                </a:tc>
-                <a:tc>
-                  <a:txBody>
-                    <a:bodyPr/>
-                    <a:lstStyle/>
-                    <a:p>
-                      <a:pPr>
-                        <a:lnSpc>
-                          <a:spcPct val="150000"/>
-                        </a:lnSpc>
-                        <a:spcAft>
-                          <a:spcPts val="0"/>
-                        </a:spcAft>
-                      </a:pPr>
-                      <a:r>
-                        <a:rPr lang="ru-RU" sz="2400">
-                          <a:effectLst/>
-                        </a:rPr>
-                        <a:t>65,90</a:t>
-                      </a:r>
-                      <a:endParaRPr lang="ru-RU" sz="1800">
-                        <a:effectLst/>
-                        <a:latin typeface="Calibri" panose="020F0502020204030204" pitchFamily="34" charset="0"/>
-                        <a:ea typeface="Calibri" panose="020F0502020204030204" pitchFamily="34" charset="0"/>
-                        <a:cs typeface="Times New Roman" panose="02020603050405020304" pitchFamily="18" charset="0"/>
-                      </a:endParaRPr>
-                    </a:p>
-                  </a:txBody>
-                  <a:tcPr marL="68580" marR="68580" marT="0" marB="0"/>
-                </a:tc>
-                <a:tc>
-                  <a:txBody>
-                    <a:bodyPr/>
-                    <a:lstStyle/>
-                    <a:p>
-                      <a:pPr>
-                        <a:lnSpc>
-                          <a:spcPct val="150000"/>
-                        </a:lnSpc>
-                        <a:spcAft>
-                          <a:spcPts val="0"/>
-                        </a:spcAft>
-                      </a:pPr>
-                      <a:r>
-                        <a:rPr lang="ru-RU" sz="2400">
-                          <a:effectLst/>
-                        </a:rPr>
-                        <a:t>2343,40</a:t>
-                      </a:r>
-                      <a:endParaRPr lang="ru-RU" sz="1800">
-                        <a:effectLst/>
-                        <a:latin typeface="Calibri" panose="020F0502020204030204" pitchFamily="34" charset="0"/>
-                        <a:ea typeface="Calibri" panose="020F0502020204030204" pitchFamily="34" charset="0"/>
-                        <a:cs typeface="Times New Roman" panose="02020603050405020304" pitchFamily="18" charset="0"/>
-                      </a:endParaRPr>
-                    </a:p>
-                  </a:txBody>
-                  <a:tcPr marL="68580" marR="68580" marT="0" marB="0"/>
-                </a:tc>
-                <a:extLst>
-                  <a:ext uri="{0D108BD9-81ED-4DB2-BD59-A6C34878D82A}">
-                    <a16:rowId xmlns:a16="http://schemas.microsoft.com/office/drawing/2014/main" val="1856175383"/>
-                  </a:ext>
-                </a:extLst>
-              </a:tr>
-              <a:tr h="656563">
-                <a:tc>
-                  <a:txBody>
-                    <a:bodyPr/>
-                    <a:lstStyle/>
-                    <a:p>
-                      <a:pPr>
-                        <a:lnSpc>
-                          <a:spcPct val="150000"/>
-                        </a:lnSpc>
-                        <a:spcAft>
-                          <a:spcPts val="0"/>
-                        </a:spcAft>
-                      </a:pPr>
-                      <a:r>
-                        <a:rPr lang="ru-RU" sz="2400">
-                          <a:effectLst/>
-                        </a:rPr>
-                        <a:t>Количество вызовов за период измерений</a:t>
-                      </a:r>
-                      <a:endParaRPr lang="ru-RU" sz="1800">
-                        <a:effectLst/>
-                        <a:latin typeface="Calibri" panose="020F0502020204030204" pitchFamily="34" charset="0"/>
-                        <a:ea typeface="Calibri" panose="020F0502020204030204" pitchFamily="34" charset="0"/>
-                        <a:cs typeface="Times New Roman" panose="02020603050405020304" pitchFamily="18" charset="0"/>
-                      </a:endParaRPr>
-                    </a:p>
-                  </a:txBody>
-                  <a:tcPr marL="68580" marR="68580" marT="0" marB="0"/>
-                </a:tc>
-                <a:tc>
-                  <a:txBody>
-                    <a:bodyPr/>
-                    <a:lstStyle/>
-                    <a:p>
-                      <a:pPr>
-                        <a:lnSpc>
-                          <a:spcPct val="150000"/>
-                        </a:lnSpc>
-                        <a:spcAft>
-                          <a:spcPts val="0"/>
-                        </a:spcAft>
-                      </a:pPr>
-                      <a:r>
-                        <a:rPr lang="ru-RU" sz="2400">
-                          <a:effectLst/>
-                        </a:rPr>
-                        <a:t>2232</a:t>
-                      </a:r>
-                      <a:endParaRPr lang="ru-RU" sz="1800">
-                        <a:effectLst/>
-                        <a:latin typeface="Calibri" panose="020F0502020204030204" pitchFamily="34" charset="0"/>
-                        <a:ea typeface="Calibri" panose="020F0502020204030204" pitchFamily="34" charset="0"/>
-                        <a:cs typeface="Times New Roman" panose="02020603050405020304" pitchFamily="18" charset="0"/>
-                      </a:endParaRPr>
-                    </a:p>
-                  </a:txBody>
-                  <a:tcPr marL="68580" marR="68580" marT="0" marB="0"/>
-                </a:tc>
-                <a:tc>
-                  <a:txBody>
-                    <a:bodyPr/>
-                    <a:lstStyle/>
-                    <a:p>
-                      <a:pPr>
-                        <a:lnSpc>
-                          <a:spcPct val="150000"/>
-                        </a:lnSpc>
-                        <a:spcAft>
-                          <a:spcPts val="0"/>
-                        </a:spcAft>
-                      </a:pPr>
-                      <a:r>
-                        <a:rPr lang="ru-RU" sz="2400">
-                          <a:effectLst/>
-                        </a:rPr>
-                        <a:t>3424</a:t>
-                      </a:r>
-                      <a:endParaRPr lang="ru-RU" sz="1800">
-                        <a:effectLst/>
-                        <a:latin typeface="Calibri" panose="020F0502020204030204" pitchFamily="34" charset="0"/>
-                        <a:ea typeface="Calibri" panose="020F0502020204030204" pitchFamily="34" charset="0"/>
-                        <a:cs typeface="Times New Roman" panose="02020603050405020304" pitchFamily="18" charset="0"/>
-                      </a:endParaRPr>
-                    </a:p>
-                  </a:txBody>
-                  <a:tcPr marL="68580" marR="68580" marT="0" marB="0"/>
-                </a:tc>
-                <a:extLst>
-                  <a:ext uri="{0D108BD9-81ED-4DB2-BD59-A6C34878D82A}">
-                    <a16:rowId xmlns:a16="http://schemas.microsoft.com/office/drawing/2014/main" val="3702245355"/>
-                  </a:ext>
-                </a:extLst>
-              </a:tr>
-              <a:tr h="620133">
-                <a:tc>
-                  <a:txBody>
-                    <a:bodyPr/>
-                    <a:lstStyle/>
-                    <a:p>
-                      <a:pPr>
-                        <a:lnSpc>
-                          <a:spcPct val="150000"/>
-                        </a:lnSpc>
-                        <a:spcAft>
-                          <a:spcPts val="0"/>
-                        </a:spcAft>
-                      </a:pPr>
-                      <a:r>
-                        <a:rPr lang="ru-RU" sz="2400">
-                          <a:effectLst/>
-                        </a:rPr>
-                        <a:t>Общее время за период измерений, мкс</a:t>
-                      </a:r>
-                      <a:endParaRPr lang="ru-RU" sz="1800">
-                        <a:effectLst/>
-                        <a:latin typeface="Calibri" panose="020F0502020204030204" pitchFamily="34" charset="0"/>
-                        <a:ea typeface="Calibri" panose="020F0502020204030204" pitchFamily="34" charset="0"/>
-                        <a:cs typeface="Times New Roman" panose="02020603050405020304" pitchFamily="18" charset="0"/>
-                      </a:endParaRPr>
-                    </a:p>
-                  </a:txBody>
-                  <a:tcPr marL="68580" marR="68580" marT="0" marB="0"/>
-                </a:tc>
-                <a:tc>
-                  <a:txBody>
-                    <a:bodyPr/>
-                    <a:lstStyle/>
-                    <a:p>
-                      <a:pPr>
-                        <a:lnSpc>
-                          <a:spcPct val="150000"/>
-                        </a:lnSpc>
-                        <a:spcAft>
-                          <a:spcPts val="0"/>
-                        </a:spcAft>
-                      </a:pPr>
-                      <a:r>
-                        <a:rPr lang="ru-RU" sz="2400">
-                          <a:effectLst/>
-                        </a:rPr>
-                        <a:t>147100</a:t>
-                      </a:r>
-                      <a:endParaRPr lang="ru-RU" sz="1800">
-                        <a:effectLst/>
-                        <a:latin typeface="Calibri" panose="020F0502020204030204" pitchFamily="34" charset="0"/>
-                        <a:ea typeface="Calibri" panose="020F0502020204030204" pitchFamily="34" charset="0"/>
-                        <a:cs typeface="Times New Roman" panose="02020603050405020304" pitchFamily="18" charset="0"/>
-                      </a:endParaRPr>
-                    </a:p>
-                  </a:txBody>
-                  <a:tcPr marL="68580" marR="68580" marT="0" marB="0"/>
-                </a:tc>
-                <a:tc>
-                  <a:txBody>
-                    <a:bodyPr/>
-                    <a:lstStyle/>
-                    <a:p>
-                      <a:pPr>
-                        <a:lnSpc>
-                          <a:spcPct val="150000"/>
-                        </a:lnSpc>
-                        <a:spcAft>
-                          <a:spcPts val="0"/>
-                        </a:spcAft>
-                      </a:pPr>
-                      <a:r>
-                        <a:rPr lang="ru-RU" sz="2400" dirty="0">
-                          <a:effectLst/>
-                        </a:rPr>
-                        <a:t>8023785</a:t>
-                      </a:r>
-                      <a:endParaRPr lang="ru-RU" sz="1800" dirty="0">
-                        <a:effectLst/>
-                        <a:latin typeface="Calibri" panose="020F0502020204030204" pitchFamily="34" charset="0"/>
-                        <a:ea typeface="Calibri" panose="020F0502020204030204" pitchFamily="34" charset="0"/>
-                        <a:cs typeface="Times New Roman" panose="02020603050405020304" pitchFamily="18" charset="0"/>
-                      </a:endParaRPr>
-                    </a:p>
-                  </a:txBody>
-                  <a:tcPr marL="68580" marR="68580" marT="0" marB="0"/>
-                </a:tc>
-                <a:extLst>
-                  <a:ext uri="{0D108BD9-81ED-4DB2-BD59-A6C34878D82A}">
-                    <a16:rowId xmlns:a16="http://schemas.microsoft.com/office/drawing/2014/main" val="1197342597"/>
-                  </a:ext>
-                </a:extLst>
-              </a:tr>
-            </a:tbl>
-          </a:graphicData>
-        </a:graphic>
-      </p:graphicFrame>
+              </p:cNvPr>
+              <p:cNvGraphicFramePr>
+                <a:graphicFrameLocks noGrp="1"/>
+              </p:cNvGraphicFramePr>
+              <p:nvPr>
+                <p:extLst>
+                  <p:ext uri="{D42A27DB-BD31-4B8C-83A1-F6EECF244321}">
+                    <p14:modId xmlns:p14="http://schemas.microsoft.com/office/powerpoint/2010/main" val="3232516275"/>
+                  </p:ext>
+                </p:extLst>
+              </p:nvPr>
+            </p:nvGraphicFramePr>
+            <p:xfrm>
+              <a:off x="1007012" y="2757268"/>
+              <a:ext cx="9670366" cy="3757228"/>
+            </p:xfrm>
+            <a:graphic>
+              <a:graphicData uri="http://schemas.openxmlformats.org/drawingml/2006/table">
+                <a:tbl>
+                  <a:tblPr firstRow="1" firstCol="1" bandRow="1">
+                    <a:tableStyleId>{5C22544A-7EE6-4342-B048-85BDC9FD1C3A}</a:tableStyleId>
+                  </a:tblPr>
+                  <a:tblGrid>
+                    <a:gridCol w="5843954">
+                      <a:extLst>
+                        <a:ext uri="{9D8B030D-6E8A-4147-A177-3AD203B41FA5}">
+                          <a16:colId xmlns:a16="http://schemas.microsoft.com/office/drawing/2014/main" val="4289919192"/>
+                        </a:ext>
+                      </a:extLst>
+                    </a:gridCol>
+                    <a:gridCol w="1772529">
+                      <a:extLst>
+                        <a:ext uri="{9D8B030D-6E8A-4147-A177-3AD203B41FA5}">
+                          <a16:colId xmlns:a16="http://schemas.microsoft.com/office/drawing/2014/main" val="1220807851"/>
+                        </a:ext>
+                      </a:extLst>
+                    </a:gridCol>
+                    <a:gridCol w="2053883">
+                      <a:extLst>
+                        <a:ext uri="{9D8B030D-6E8A-4147-A177-3AD203B41FA5}">
+                          <a16:colId xmlns:a16="http://schemas.microsoft.com/office/drawing/2014/main" val="1780326536"/>
+                        </a:ext>
+                      </a:extLst>
+                    </a:gridCol>
+                  </a:tblGrid>
+                  <a:tr h="620133">
+                    <a:tc>
+                      <a:txBody>
+                        <a:bodyPr/>
+                        <a:lstStyle/>
+                        <a:p>
+                          <a:pPr>
+                            <a:lnSpc>
+                              <a:spcPct val="150000"/>
+                            </a:lnSpc>
+                            <a:spcAft>
+                              <a:spcPts val="0"/>
+                            </a:spcAft>
+                          </a:pPr>
+                          <a:r>
+                            <a:rPr lang="ru-RU" sz="2400" dirty="0">
+                              <a:effectLst/>
+                            </a:rPr>
+                            <a:t>Алгоритм</a:t>
+                          </a:r>
+                          <a:endParaRPr lang="ru-RU" sz="1800" dirty="0">
+                            <a:effectLst/>
+                            <a:latin typeface="Calibri" panose="020F0502020204030204" pitchFamily="34" charset="0"/>
+                            <a:ea typeface="Calibri" panose="020F0502020204030204" pitchFamily="34" charset="0"/>
+                            <a:cs typeface="Times New Roman" panose="02020603050405020304" pitchFamily="18" charset="0"/>
+                          </a:endParaRPr>
+                        </a:p>
+                      </a:txBody>
+                      <a:tcPr marL="68580" marR="68580" marT="0" marB="0"/>
+                    </a:tc>
+                    <a:tc>
+                      <a:txBody>
+                        <a:bodyPr/>
+                        <a:lstStyle/>
+                        <a:p>
+                          <a:pPr>
+                            <a:lnSpc>
+                              <a:spcPct val="150000"/>
+                            </a:lnSpc>
+                            <a:spcAft>
+                              <a:spcPts val="0"/>
+                            </a:spcAft>
+                          </a:pPr>
+                          <a:r>
+                            <a:rPr lang="en-US" sz="2400">
+                              <a:effectLst/>
+                            </a:rPr>
+                            <a:t>SAT</a:t>
+                          </a:r>
+                          <a:endParaRPr lang="ru-RU" sz="1800">
+                            <a:effectLst/>
+                            <a:latin typeface="Calibri" panose="020F0502020204030204" pitchFamily="34" charset="0"/>
+                            <a:ea typeface="Calibri" panose="020F0502020204030204" pitchFamily="34" charset="0"/>
+                            <a:cs typeface="Times New Roman" panose="02020603050405020304" pitchFamily="18" charset="0"/>
+                          </a:endParaRPr>
+                        </a:p>
+                      </a:txBody>
+                      <a:tcPr marL="68580" marR="68580" marT="0" marB="0"/>
+                    </a:tc>
+                    <a:tc>
+                      <a:txBody>
+                        <a:bodyPr/>
+                        <a:lstStyle/>
+                        <a:p>
+                          <a:pPr>
+                            <a:lnSpc>
+                              <a:spcPct val="150000"/>
+                            </a:lnSpc>
+                            <a:spcAft>
+                              <a:spcPts val="0"/>
+                            </a:spcAft>
+                          </a:pPr>
+                          <a:r>
+                            <a:rPr lang="en-US" sz="2400">
+                              <a:effectLst/>
+                            </a:rPr>
+                            <a:t>GJK</a:t>
+                          </a:r>
+                          <a:endParaRPr lang="ru-RU" sz="1800">
+                            <a:effectLst/>
+                            <a:latin typeface="Calibri" panose="020F0502020204030204" pitchFamily="34" charset="0"/>
+                            <a:ea typeface="Calibri" panose="020F0502020204030204" pitchFamily="34" charset="0"/>
+                            <a:cs typeface="Times New Roman" panose="02020603050405020304" pitchFamily="18" charset="0"/>
+                          </a:endParaRPr>
+                        </a:p>
+                      </a:txBody>
+                      <a:tcPr marL="68580" marR="68580" marT="0" marB="0"/>
+                    </a:tc>
+                    <a:extLst>
+                      <a:ext uri="{0D108BD9-81ED-4DB2-BD59-A6C34878D82A}">
+                        <a16:rowId xmlns:a16="http://schemas.microsoft.com/office/drawing/2014/main" val="849739902"/>
+                      </a:ext>
+                    </a:extLst>
+                  </a:tr>
+                  <a:tr h="620133">
+                    <a:tc>
+                      <a:txBody>
+                        <a:bodyPr/>
+                        <a:lstStyle/>
+                        <a:p>
+                          <a:pPr>
+                            <a:lnSpc>
+                              <a:spcPct val="150000"/>
+                            </a:lnSpc>
+                            <a:spcAft>
+                              <a:spcPts val="0"/>
+                            </a:spcAft>
+                          </a:pPr>
+                          <a:r>
+                            <a:rPr lang="ru-RU" sz="2400" dirty="0">
+                              <a:effectLst/>
+                            </a:rPr>
+                            <a:t>Максимальное время, мкс</a:t>
+                          </a:r>
+                          <a:endParaRPr lang="ru-RU" sz="1800" dirty="0">
+                            <a:effectLst/>
+                            <a:latin typeface="Calibri" panose="020F0502020204030204" pitchFamily="34" charset="0"/>
+                            <a:ea typeface="Calibri" panose="020F0502020204030204" pitchFamily="34" charset="0"/>
+                            <a:cs typeface="Times New Roman" panose="02020603050405020304" pitchFamily="18" charset="0"/>
+                          </a:endParaRPr>
+                        </a:p>
+                      </a:txBody>
+                      <a:tcPr marL="68580" marR="68580" marT="0" marB="0"/>
+                    </a:tc>
+                    <a:tc>
+                      <a:txBody>
+                        <a:bodyPr/>
+                        <a:lstStyle/>
+                        <a:p>
+                          <a:endParaRPr lang="ru-RU"/>
+                        </a:p>
+                      </a:txBody>
+                      <a:tcPr marL="68580" marR="68580" marT="0" marB="0">
+                        <a:blipFill>
+                          <a:blip r:embed="rId2"/>
+                          <a:stretch>
+                            <a:fillRect l="-329897" t="-100980" r="-117182" b="-413725"/>
+                          </a:stretch>
+                        </a:blipFill>
+                      </a:tcPr>
+                    </a:tc>
+                    <a:tc>
+                      <a:txBody>
+                        <a:bodyPr/>
+                        <a:lstStyle/>
+                        <a:p>
+                          <a:endParaRPr lang="ru-RU"/>
+                        </a:p>
+                      </a:txBody>
+                      <a:tcPr marL="68580" marR="68580" marT="0" marB="0">
+                        <a:blipFill>
+                          <a:blip r:embed="rId2"/>
+                          <a:stretch>
+                            <a:fillRect l="-371217" t="-100980" r="-1187" b="-413725"/>
+                          </a:stretch>
+                        </a:blipFill>
+                      </a:tcPr>
+                    </a:tc>
+                    <a:extLst>
+                      <a:ext uri="{0D108BD9-81ED-4DB2-BD59-A6C34878D82A}">
+                        <a16:rowId xmlns:a16="http://schemas.microsoft.com/office/drawing/2014/main" val="1554589538"/>
+                      </a:ext>
+                    </a:extLst>
+                  </a:tr>
+                  <a:tr h="620133">
+                    <a:tc>
+                      <a:txBody>
+                        <a:bodyPr/>
+                        <a:lstStyle/>
+                        <a:p>
+                          <a:pPr>
+                            <a:lnSpc>
+                              <a:spcPct val="150000"/>
+                            </a:lnSpc>
+                            <a:spcAft>
+                              <a:spcPts val="0"/>
+                            </a:spcAft>
+                          </a:pPr>
+                          <a:r>
+                            <a:rPr lang="ru-RU" sz="2400" dirty="0">
+                              <a:effectLst/>
+                            </a:rPr>
+                            <a:t>Минимальное время, мкс</a:t>
+                          </a:r>
+                          <a:endParaRPr lang="ru-RU" sz="1800" dirty="0">
+                            <a:effectLst/>
+                            <a:latin typeface="Calibri" panose="020F0502020204030204" pitchFamily="34" charset="0"/>
+                            <a:ea typeface="Calibri" panose="020F0502020204030204" pitchFamily="34" charset="0"/>
+                            <a:cs typeface="Times New Roman" panose="02020603050405020304" pitchFamily="18" charset="0"/>
+                          </a:endParaRPr>
+                        </a:p>
+                      </a:txBody>
+                      <a:tcPr marL="68580" marR="68580" marT="0" marB="0"/>
+                    </a:tc>
+                    <a:tc>
+                      <a:txBody>
+                        <a:bodyPr/>
+                        <a:lstStyle/>
+                        <a:p>
+                          <a:endParaRPr lang="ru-RU"/>
+                        </a:p>
+                      </a:txBody>
+                      <a:tcPr marL="68580" marR="68580" marT="0" marB="0">
+                        <a:blipFill>
+                          <a:blip r:embed="rId2"/>
+                          <a:stretch>
+                            <a:fillRect l="-329897" t="-200980" r="-117182" b="-313725"/>
+                          </a:stretch>
+                        </a:blipFill>
+                      </a:tcPr>
+                    </a:tc>
+                    <a:tc>
+                      <a:txBody>
+                        <a:bodyPr/>
+                        <a:lstStyle/>
+                        <a:p>
+                          <a:endParaRPr lang="ru-RU"/>
+                        </a:p>
+                      </a:txBody>
+                      <a:tcPr marL="68580" marR="68580" marT="0" marB="0">
+                        <a:blipFill>
+                          <a:blip r:embed="rId2"/>
+                          <a:stretch>
+                            <a:fillRect l="-371217" t="-200980" r="-1187" b="-313725"/>
+                          </a:stretch>
+                        </a:blipFill>
+                      </a:tcPr>
+                    </a:tc>
+                    <a:extLst>
+                      <a:ext uri="{0D108BD9-81ED-4DB2-BD59-A6C34878D82A}">
+                        <a16:rowId xmlns:a16="http://schemas.microsoft.com/office/drawing/2014/main" val="3660005173"/>
+                      </a:ext>
+                    </a:extLst>
+                  </a:tr>
+                  <a:tr h="620133">
+                    <a:tc>
+                      <a:txBody>
+                        <a:bodyPr/>
+                        <a:lstStyle/>
+                        <a:p>
+                          <a:pPr>
+                            <a:lnSpc>
+                              <a:spcPct val="150000"/>
+                            </a:lnSpc>
+                            <a:spcAft>
+                              <a:spcPts val="0"/>
+                            </a:spcAft>
+                          </a:pPr>
+                          <a:r>
+                            <a:rPr lang="ru-RU" sz="2400">
+                              <a:effectLst/>
+                            </a:rPr>
+                            <a:t>Среднее время период измерений, мкс</a:t>
+                          </a:r>
+                          <a:endParaRPr lang="ru-RU" sz="1800">
+                            <a:effectLst/>
+                            <a:latin typeface="Calibri" panose="020F0502020204030204" pitchFamily="34" charset="0"/>
+                            <a:ea typeface="Calibri" panose="020F0502020204030204" pitchFamily="34" charset="0"/>
+                            <a:cs typeface="Times New Roman" panose="02020603050405020304" pitchFamily="18" charset="0"/>
+                          </a:endParaRPr>
+                        </a:p>
+                      </a:txBody>
+                      <a:tcPr marL="68580" marR="68580" marT="0" marB="0"/>
+                    </a:tc>
+                    <a:tc>
+                      <a:txBody>
+                        <a:bodyPr/>
+                        <a:lstStyle/>
+                        <a:p>
+                          <a:endParaRPr lang="ru-RU"/>
+                        </a:p>
+                      </a:txBody>
+                      <a:tcPr marL="68580" marR="68580" marT="0" marB="0">
+                        <a:blipFill>
+                          <a:blip r:embed="rId2"/>
+                          <a:stretch>
+                            <a:fillRect l="-329897" t="-303960" r="-117182" b="-216832"/>
+                          </a:stretch>
+                        </a:blipFill>
+                      </a:tcPr>
+                    </a:tc>
+                    <a:tc>
+                      <a:txBody>
+                        <a:bodyPr/>
+                        <a:lstStyle/>
+                        <a:p>
+                          <a:endParaRPr lang="ru-RU"/>
+                        </a:p>
+                      </a:txBody>
+                      <a:tcPr marL="68580" marR="68580" marT="0" marB="0">
+                        <a:blipFill>
+                          <a:blip r:embed="rId2"/>
+                          <a:stretch>
+                            <a:fillRect l="-371217" t="-303960" r="-1187" b="-216832"/>
+                          </a:stretch>
+                        </a:blipFill>
+                      </a:tcPr>
+                    </a:tc>
+                    <a:extLst>
+                      <a:ext uri="{0D108BD9-81ED-4DB2-BD59-A6C34878D82A}">
+                        <a16:rowId xmlns:a16="http://schemas.microsoft.com/office/drawing/2014/main" val="1856175383"/>
+                      </a:ext>
+                    </a:extLst>
+                  </a:tr>
+                  <a:tr h="656563">
+                    <a:tc>
+                      <a:txBody>
+                        <a:bodyPr/>
+                        <a:lstStyle/>
+                        <a:p>
+                          <a:pPr>
+                            <a:lnSpc>
+                              <a:spcPct val="150000"/>
+                            </a:lnSpc>
+                            <a:spcAft>
+                              <a:spcPts val="0"/>
+                            </a:spcAft>
+                          </a:pPr>
+                          <a:r>
+                            <a:rPr lang="ru-RU" sz="2400">
+                              <a:effectLst/>
+                            </a:rPr>
+                            <a:t>Количество вызовов за период измерений</a:t>
+                          </a:r>
+                          <a:endParaRPr lang="ru-RU" sz="1800">
+                            <a:effectLst/>
+                            <a:latin typeface="Calibri" panose="020F0502020204030204" pitchFamily="34" charset="0"/>
+                            <a:ea typeface="Calibri" panose="020F0502020204030204" pitchFamily="34" charset="0"/>
+                            <a:cs typeface="Times New Roman" panose="02020603050405020304" pitchFamily="18" charset="0"/>
+                          </a:endParaRPr>
+                        </a:p>
+                      </a:txBody>
+                      <a:tcPr marL="68580" marR="68580" marT="0" marB="0"/>
+                    </a:tc>
+                    <a:tc>
+                      <a:txBody>
+                        <a:bodyPr/>
+                        <a:lstStyle/>
+                        <a:p>
+                          <a:endParaRPr lang="ru-RU"/>
+                        </a:p>
+                      </a:txBody>
+                      <a:tcPr marL="68580" marR="68580" marT="0" marB="0">
+                        <a:blipFill>
+                          <a:blip r:embed="rId2"/>
+                          <a:stretch>
+                            <a:fillRect l="-329897" t="-377778" r="-117182" b="-102778"/>
+                          </a:stretch>
+                        </a:blipFill>
+                      </a:tcPr>
+                    </a:tc>
+                    <a:tc>
+                      <a:txBody>
+                        <a:bodyPr/>
+                        <a:lstStyle/>
+                        <a:p>
+                          <a:endParaRPr lang="ru-RU"/>
+                        </a:p>
+                      </a:txBody>
+                      <a:tcPr marL="68580" marR="68580" marT="0" marB="0">
+                        <a:blipFill>
+                          <a:blip r:embed="rId2"/>
+                          <a:stretch>
+                            <a:fillRect l="-371217" t="-377778" r="-1187" b="-102778"/>
+                          </a:stretch>
+                        </a:blipFill>
+                      </a:tcPr>
+                    </a:tc>
+                    <a:extLst>
+                      <a:ext uri="{0D108BD9-81ED-4DB2-BD59-A6C34878D82A}">
+                        <a16:rowId xmlns:a16="http://schemas.microsoft.com/office/drawing/2014/main" val="3702245355"/>
+                      </a:ext>
+                    </a:extLst>
+                  </a:tr>
+                  <a:tr h="620133">
+                    <a:tc>
+                      <a:txBody>
+                        <a:bodyPr/>
+                        <a:lstStyle/>
+                        <a:p>
+                          <a:pPr>
+                            <a:lnSpc>
+                              <a:spcPct val="150000"/>
+                            </a:lnSpc>
+                            <a:spcAft>
+                              <a:spcPts val="0"/>
+                            </a:spcAft>
+                          </a:pPr>
+                          <a:r>
+                            <a:rPr lang="ru-RU" sz="2400">
+                              <a:effectLst/>
+                            </a:rPr>
+                            <a:t>Общее время за период измерений, мкс</a:t>
+                          </a:r>
+                          <a:endParaRPr lang="ru-RU" sz="1800">
+                            <a:effectLst/>
+                            <a:latin typeface="Calibri" panose="020F0502020204030204" pitchFamily="34" charset="0"/>
+                            <a:ea typeface="Calibri" panose="020F0502020204030204" pitchFamily="34" charset="0"/>
+                            <a:cs typeface="Times New Roman" panose="02020603050405020304" pitchFamily="18" charset="0"/>
+                          </a:endParaRPr>
+                        </a:p>
+                      </a:txBody>
+                      <a:tcPr marL="68580" marR="68580" marT="0" marB="0"/>
+                    </a:tc>
+                    <a:tc>
+                      <a:txBody>
+                        <a:bodyPr/>
+                        <a:lstStyle/>
+                        <a:p>
+                          <a:endParaRPr lang="ru-RU"/>
+                        </a:p>
+                      </a:txBody>
+                      <a:tcPr marL="68580" marR="68580" marT="0" marB="0">
+                        <a:blipFill>
+                          <a:blip r:embed="rId2"/>
+                          <a:stretch>
+                            <a:fillRect l="-329897" t="-505882" r="-117182" b="-8824"/>
+                          </a:stretch>
+                        </a:blipFill>
+                      </a:tcPr>
+                    </a:tc>
+                    <a:tc>
+                      <a:txBody>
+                        <a:bodyPr/>
+                        <a:lstStyle/>
+                        <a:p>
+                          <a:endParaRPr lang="ru-RU"/>
+                        </a:p>
+                      </a:txBody>
+                      <a:tcPr marL="68580" marR="68580" marT="0" marB="0">
+                        <a:blipFill>
+                          <a:blip r:embed="rId2"/>
+                          <a:stretch>
+                            <a:fillRect l="-371217" t="-505882" r="-1187" b="-8824"/>
+                          </a:stretch>
+                        </a:blipFill>
+                      </a:tcPr>
+                    </a:tc>
+                    <a:extLst>
+                      <a:ext uri="{0D108BD9-81ED-4DB2-BD59-A6C34878D82A}">
+                        <a16:rowId xmlns:a16="http://schemas.microsoft.com/office/drawing/2014/main" val="1197342597"/>
+                      </a:ext>
+                    </a:extLst>
+                  </a:tr>
+                </a:tbl>
+              </a:graphicData>
+            </a:graphic>
+          </p:graphicFrame>
+        </mc:Fallback>
+      </mc:AlternateContent>
     </p:spTree>
     <p:extLst>
       <p:ext uri="{BB962C8B-B14F-4D97-AF65-F5344CB8AC3E}">
@@ -5341,6 +6107,7 @@
           <a:bodyPr/>
           <a:lstStyle/>
           <a:p>
+            <a:pPr algn="ctr"/>
             <a:r>
               <a:rPr lang="ru-RU" dirty="0"/>
               <a:t>Заключение</a:t>
@@ -5372,7 +6139,7 @@
         </p:spPr>
         <p:txBody>
           <a:bodyPr>
-            <a:normAutofit fontScale="85000" lnSpcReduction="20000"/>
+            <a:normAutofit fontScale="85000" lnSpcReduction="10000"/>
           </a:bodyPr>
           <a:lstStyle/>
           <a:p>
@@ -5381,7 +6148,7 @@
             </a:pPr>
             <a:r>
               <a:rPr lang="ru-RU" dirty="0"/>
-              <a:t>Как видно из результатов тестирования, разработанная программа после исправления существующей ошибки будет пригодна для решения поставленной задачи.</a:t>
+              <a:t>Как видно из результатов тестирования, разработанная программа пригодна для решения поставленной задачи.</a:t>
             </a:r>
           </a:p>
           <a:p>
@@ -5432,7 +6199,7 @@
             </a:pPr>
             <a:r>
               <a:rPr lang="ru-RU" dirty="0"/>
-              <a:t>Также необходимо провести более детальное тестирование решения с применением различных кинематических схем манипулятора, а также с более детальным моделированием поведения манипулятора, то есть с учётом движения манипулятора во время вычислений и времени переходного процесса при изменении скорости звеньев.</a:t>
+              <a:t>Также необходимо провести более детальное тестирование решения с применением различных кинематических схем манипулятора, а также с более детальным моделированием поведения манипулятора, то есть с учётом движения манипулятора во время вычислений и динамики звеньев.</a:t>
             </a:r>
           </a:p>
           <a:p>
@@ -5504,6 +6271,7 @@
           </a:bodyPr>
           <a:lstStyle/>
           <a:p>
+            <a:pPr algn="ctr"/>
             <a:r>
               <a:rPr lang="ru-RU" sz="3600" dirty="0"/>
               <a:t>Список литературы</a:t>
@@ -5972,6 +6740,7 @@
           <a:bodyPr/>
           <a:lstStyle/>
           <a:p>
+            <a:pPr algn="ctr"/>
             <a:r>
               <a:rPr lang="ru-RU" dirty="0"/>
               <a:t>Обоснование темы</a:t>
@@ -6091,6 +6860,7 @@
           <a:bodyPr/>
           <a:lstStyle/>
           <a:p>
+            <a:pPr algn="ctr"/>
             <a:r>
               <a:rPr lang="ru-RU" dirty="0"/>
               <a:t>Цель и задачи:</a:t>
@@ -6152,9 +6922,9 @@
             </a:r>
           </a:p>
           <a:p>
-            <a:pPr>
+            <a:pPr marL="800100" indent="-358775">
               <a:buFont typeface="Calibri" panose="020F0502020204030204" pitchFamily="34" charset="0"/>
-              <a:buChar char="⁻"/>
+              <a:buChar char="−"/>
             </a:pPr>
             <a:r>
               <a:rPr lang="ru-RU" dirty="0"/>
@@ -6162,9 +6932,9 @@
             </a:r>
           </a:p>
           <a:p>
-            <a:pPr>
+            <a:pPr marL="800100" indent="-358775">
               <a:buFont typeface="Calibri" panose="020F0502020204030204" pitchFamily="34" charset="0"/>
-              <a:buChar char="⁻"/>
+              <a:buChar char="−"/>
             </a:pPr>
             <a:r>
               <a:rPr lang="ru-RU" dirty="0"/>
@@ -6172,9 +6942,9 @@
             </a:r>
           </a:p>
           <a:p>
-            <a:pPr>
+            <a:pPr marL="800100" indent="-358775">
               <a:buFont typeface="Calibri" panose="020F0502020204030204" pitchFamily="34" charset="0"/>
-              <a:buChar char="⁻"/>
+              <a:buChar char="−"/>
             </a:pPr>
             <a:r>
               <a:rPr lang="ru-RU" dirty="0"/>
@@ -6262,9 +7032,9 @@
           <a:bodyPr/>
           <a:lstStyle/>
           <a:p>
-            <a:pPr>
+            <a:pPr marL="360363" indent="-360363">
               <a:buFont typeface="Calibri" panose="020F0502020204030204" pitchFamily="34" charset="0"/>
-              <a:buChar char="⁻"/>
+              <a:buChar char="−"/>
             </a:pPr>
             <a:r>
               <a:rPr lang="ru-RU" dirty="0"/>
@@ -6272,9 +7042,9 @@
             </a:r>
           </a:p>
           <a:p>
-            <a:pPr>
+            <a:pPr marL="360363" indent="-360363">
               <a:buFont typeface="Calibri" panose="020F0502020204030204" pitchFamily="34" charset="0"/>
-              <a:buChar char="⁻"/>
+              <a:buChar char="−"/>
             </a:pPr>
             <a:r>
               <a:rPr lang="ru-RU" dirty="0"/>
@@ -6282,9 +7052,9 @@
             </a:r>
           </a:p>
           <a:p>
-            <a:pPr>
+            <a:pPr marL="360363" indent="-360363">
               <a:buFont typeface="Calibri" panose="020F0502020204030204" pitchFamily="34" charset="0"/>
-              <a:buChar char="⁻"/>
+              <a:buChar char="−"/>
             </a:pPr>
             <a:r>
               <a:rPr lang="ru-RU" dirty="0"/>
@@ -6292,9 +7062,9 @@
             </a:r>
           </a:p>
           <a:p>
-            <a:pPr>
+            <a:pPr marL="360363" indent="-360363">
               <a:buFont typeface="Calibri" panose="020F0502020204030204" pitchFamily="34" charset="0"/>
-              <a:buChar char="⁻"/>
+              <a:buChar char="−"/>
             </a:pPr>
             <a:r>
               <a:rPr lang="ru-RU" dirty="0"/>
@@ -6370,6 +7140,7 @@
           <a:bodyPr/>
           <a:lstStyle/>
           <a:p>
+            <a:pPr algn="ctr"/>
             <a:r>
               <a:rPr lang="ru-RU" dirty="0"/>
               <a:t>Аналитический обзор</a:t>
@@ -6393,7 +7164,12 @@
             <p:ph idx="1"/>
           </p:nvPr>
         </p:nvSpPr>
-        <p:spPr/>
+        <p:spPr>
+          <a:xfrm>
+            <a:off x="1344637" y="2506662"/>
+            <a:ext cx="10515600" cy="2177880"/>
+          </a:xfrm>
+        </p:spPr>
         <p:txBody>
           <a:bodyPr>
             <a:normAutofit/>
@@ -6404,7 +7180,7 @@
               <a:buNone/>
             </a:pPr>
             <a:r>
-              <a:rPr lang="ru-RU" sz="4000" dirty="0"/>
+              <a:rPr lang="ru-RU" sz="3600" dirty="0"/>
               <a:t>В ходе обзора существующих решений было обнаружено несколько основных путей решения проблемы. На следующих слайдах приведены их основные преимущества и недостатки.</a:t>
             </a:r>
           </a:p>
@@ -6468,6 +7244,7 @@
           </a:bodyPr>
           <a:lstStyle/>
           <a:p>
+            <a:pPr algn="ctr"/>
             <a:r>
               <a:rPr lang="ru-RU" dirty="0"/>
               <a:t>Решения на основе установки дополнительных сенсорных систем</a:t>
@@ -6506,28 +7283,31 @@
               <a:buNone/>
             </a:pPr>
             <a:r>
-              <a:rPr lang="ru-RU" sz="4000" dirty="0"/>
+              <a:rPr lang="ru-RU" sz="3200" dirty="0"/>
               <a:t>Достоинства: </a:t>
             </a:r>
           </a:p>
           <a:p>
-            <a:pPr>
+            <a:pPr marL="539750" indent="449263" defTabSz="1079500">
               <a:buFont typeface="Calibri" panose="020F0502020204030204" pitchFamily="34" charset="0"/>
-              <a:buChar char="⁻"/>
+              <a:buChar char="−"/>
             </a:pPr>
             <a:r>
-              <a:rPr lang="ru-RU" sz="4000" dirty="0"/>
+              <a:rPr lang="ru-RU" sz="3200" dirty="0"/>
               <a:t>алгоритмы работы просты;</a:t>
             </a:r>
           </a:p>
           <a:p>
-            <a:pPr>
+            <a:pPr marL="979488" indent="-441325" defTabSz="1079500">
               <a:buFont typeface="Calibri" panose="020F0502020204030204" pitchFamily="34" charset="0"/>
-              <a:buChar char="⁻"/>
+              <a:buChar char="−"/>
+              <a:tabLst>
+                <a:tab pos="1698625" algn="l"/>
+              </a:tabLst>
             </a:pPr>
             <a:r>
-              <a:rPr lang="ru-RU" sz="4000" dirty="0"/>
-              <a:t>могут работать со всеми препятствиями, даже с недетерминированными.</a:t>
+              <a:rPr lang="ru-RU" sz="3200" dirty="0"/>
+              <a:t>могут работать со всеми препятствиями, даже с      недетерминированными.</a:t>
             </a:r>
           </a:p>
           <a:p>
@@ -6535,7 +7315,7 @@
               <a:buNone/>
             </a:pPr>
             <a:r>
-              <a:rPr lang="ru-RU" sz="4000" dirty="0"/>
+              <a:rPr lang="ru-RU" sz="3200" dirty="0"/>
               <a:t>Основной недостаток – установка затруднена ограничениями на габариты.</a:t>
             </a:r>
           </a:p>
@@ -6594,6 +7374,7 @@
           </a:bodyPr>
           <a:lstStyle/>
           <a:p>
+            <a:pPr algn="ctr"/>
             <a:r>
               <a:rPr lang="ru-RU" dirty="0"/>
               <a:t>Решения на основе алгоритмов потенциального планирования</a:t>
@@ -6651,8 +7432,8 @@
         </p:nvSpPr>
         <p:spPr>
           <a:xfrm>
-            <a:off x="7324381" y="1881777"/>
-            <a:ext cx="4704301" cy="4401205"/>
+            <a:off x="6664814" y="1874232"/>
+            <a:ext cx="5332998" cy="4401205"/>
           </a:xfrm>
           <a:prstGeom prst="rect">
             <a:avLst/>
@@ -6671,83 +7452,80 @@
             </a:r>
           </a:p>
           <a:p>
-            <a:pPr marL="457200" indent="-457200">
+            <a:pPr marL="989013" indent="-449263">
               <a:buFont typeface="Calibri" panose="020F0502020204030204" pitchFamily="34" charset="0"/>
-              <a:buChar char="⁻"/>
+              <a:buChar char="−"/>
             </a:pPr>
             <a:r>
               <a:rPr lang="ru-RU" sz="2800" dirty="0"/>
-              <a:t>простота</a:t>
-            </a:r>
-          </a:p>
-          <a:p>
-            <a:pPr marL="457200" indent="-457200">
+              <a:t>простота;</a:t>
+            </a:r>
+          </a:p>
+          <a:p>
+            <a:pPr marL="989013" indent="-449263">
               <a:buFont typeface="Calibri" panose="020F0502020204030204" pitchFamily="34" charset="0"/>
-              <a:buChar char="⁻"/>
+              <a:buChar char="−"/>
             </a:pPr>
             <a:r>
               <a:rPr lang="ru-RU" sz="2800" dirty="0"/>
-              <a:t>плавность работы</a:t>
-            </a:r>
-          </a:p>
-          <a:p>
-            <a:pPr marL="457200" indent="-457200">
+              <a:t>плавность работы;</a:t>
+            </a:r>
+          </a:p>
+          <a:p>
+            <a:pPr marL="989013" indent="-449263">
               <a:buFont typeface="Calibri" panose="020F0502020204030204" pitchFamily="34" charset="0"/>
-              <a:buChar char="⁻"/>
+              <a:buChar char="−"/>
             </a:pPr>
             <a:r>
               <a:rPr lang="ru-RU" sz="2800" dirty="0"/>
-              <a:t>применимость при </a:t>
-            </a:r>
-          </a:p>
-          <a:p>
-            <a:pPr marL="457200" indent="-457200">
-              <a:buFont typeface="Calibri" panose="020F0502020204030204" pitchFamily="34" charset="0"/>
-              <a:buChar char="⁻"/>
-            </a:pPr>
-            <a:r>
-              <a:rPr lang="ru-RU" sz="2800" dirty="0"/>
-              <a:t>планировании траектории</a:t>
-            </a:r>
-          </a:p>
-          <a:p>
-            <a:r>
-              <a:rPr lang="ru-RU" sz="2800" dirty="0"/>
-              <a:t>Недостатки:</a:t>
-            </a:r>
-          </a:p>
-          <a:p>
-            <a:pPr marL="457200" indent="-457200">
-              <a:buFont typeface="Calibri" panose="020F0502020204030204" pitchFamily="34" charset="0"/>
-              <a:buChar char="⁻"/>
-            </a:pPr>
-            <a:r>
-              <a:rPr lang="ru-RU" sz="2800" dirty="0"/>
-              <a:t>траектория изменяется</a:t>
-            </a:r>
-          </a:p>
-          <a:p>
-            <a:pPr marL="457200" indent="-457200">
-              <a:buFont typeface="Calibri" panose="020F0502020204030204" pitchFamily="34" charset="0"/>
-              <a:buChar char="⁻"/>
-            </a:pPr>
-            <a:r>
-              <a:rPr lang="ru-RU" sz="2800" dirty="0"/>
-              <a:t>возможно перемещение </a:t>
+              <a:t>применимость при</a:t>
             </a:r>
             <a:br>
               <a:rPr lang="ru-RU" sz="2800" dirty="0"/>
             </a:br>
             <a:r>
               <a:rPr lang="ru-RU" sz="2800" dirty="0"/>
-              <a:t>после отпускания ручки</a:t>
+              <a:t>планировании траектории.</a:t>
+            </a:r>
+          </a:p>
+          <a:p>
+            <a:r>
+              <a:rPr lang="ru-RU" sz="2800" dirty="0"/>
+              <a:t>Недостатки:</a:t>
+            </a:r>
+          </a:p>
+          <a:p>
+            <a:pPr marL="989013" indent="-457200">
+              <a:buFont typeface="Calibri" panose="020F0502020204030204" pitchFamily="34" charset="0"/>
+              <a:buChar char="−"/>
+            </a:pPr>
+            <a:r>
+              <a:rPr lang="ru-RU" sz="2800" dirty="0"/>
+              <a:t>траектория изменяется;</a:t>
+            </a:r>
+          </a:p>
+          <a:p>
+            <a:pPr marL="989013" indent="-457200">
+              <a:buFont typeface="Calibri" panose="020F0502020204030204" pitchFamily="34" charset="0"/>
+              <a:buChar char="−"/>
+            </a:pPr>
+            <a:r>
+              <a:rPr lang="ru-RU" sz="2800" dirty="0"/>
+              <a:t>возможно перемещение </a:t>
             </a:r>
             <a:br>
               <a:rPr lang="ru-RU" sz="2800" dirty="0"/>
             </a:br>
             <a:r>
               <a:rPr lang="ru-RU" sz="2800" dirty="0"/>
-              <a:t>управления</a:t>
+              <a:t>после отпускания ручки</a:t>
+            </a:r>
+            <a:br>
+              <a:rPr lang="ru-RU" sz="2800" dirty="0"/>
+            </a:br>
+            <a:r>
+              <a:rPr lang="ru-RU" sz="2800" dirty="0"/>
+              <a:t>управления.</a:t>
             </a:r>
           </a:p>
         </p:txBody>
@@ -6840,8 +7618,8 @@
         </p:blipFill>
         <p:spPr>
           <a:xfrm>
-            <a:off x="382808" y="1690688"/>
-            <a:ext cx="8081056" cy="4351338"/>
+            <a:off x="382808" y="2023672"/>
+            <a:ext cx="7517008" cy="4018354"/>
           </a:xfrm>
           <a:prstGeom prst="rect">
             <a:avLst/>
@@ -6862,8 +7640,8 @@
         </p:nvSpPr>
         <p:spPr>
           <a:xfrm>
-            <a:off x="8463864" y="1887689"/>
-            <a:ext cx="3728136" cy="3970318"/>
+            <a:off x="7708473" y="1229896"/>
+            <a:ext cx="4351191" cy="5262979"/>
           </a:xfrm>
           <a:prstGeom prst="rect">
             <a:avLst/>
@@ -6882,70 +7660,94 @@
             </a:r>
           </a:p>
           <a:p>
-            <a:pPr marL="457200" indent="-457200">
+            <a:pPr marL="1079500" indent="-449263">
               <a:buFont typeface="Calibri" panose="020F0502020204030204" pitchFamily="34" charset="0"/>
-              <a:buChar char="⁻"/>
+              <a:buChar char="−"/>
             </a:pPr>
             <a:r>
               <a:rPr lang="ru-RU" sz="2800" dirty="0"/>
-              <a:t>высокая скорость</a:t>
-            </a:r>
-          </a:p>
-          <a:p>
-            <a:pPr marL="457200" indent="-457200">
+              <a:t>высокая скорость;</a:t>
+            </a:r>
+          </a:p>
+          <a:p>
+            <a:pPr marL="1079500" indent="-449263">
               <a:buFont typeface="Calibri" panose="020F0502020204030204" pitchFamily="34" charset="0"/>
-              <a:buChar char="⁻"/>
+              <a:buChar char="−"/>
             </a:pPr>
             <a:r>
               <a:rPr lang="ru-RU" sz="2800" dirty="0"/>
-              <a:t>надёжность</a:t>
-            </a:r>
-          </a:p>
-          <a:p>
+              <a:t>надёжность;</a:t>
+            </a:r>
+          </a:p>
+          <a:p>
+            <a:pPr marL="1079500" indent="-449263">
+              <a:buFont typeface="Calibri" panose="020F0502020204030204" pitchFamily="34" charset="0"/>
+              <a:buChar char="−"/>
+            </a:pPr>
             <a:r>
               <a:rPr lang="ru-RU" sz="2800" dirty="0"/>
-              <a:t>Недостатки:</a:t>
-            </a:r>
-          </a:p>
-          <a:p>
-            <a:pPr marL="457200" indent="-457200">
-              <a:buFont typeface="Calibri" panose="020F0502020204030204" pitchFamily="34" charset="0"/>
-              <a:buChar char="⁻"/>
-            </a:pPr>
-            <a:r>
-              <a:rPr lang="ru-RU" sz="2800" dirty="0"/>
-              <a:t>компромисс между </a:t>
+              <a:t>применимость для </a:t>
             </a:r>
             <a:br>
               <a:rPr lang="ru-RU" sz="2800" dirty="0"/>
             </a:br>
             <a:r>
               <a:rPr lang="ru-RU" sz="2800" dirty="0"/>
-              <a:t>памятью и </a:t>
+              <a:t>планирования </a:t>
             </a:r>
             <a:br>
               <a:rPr lang="ru-RU" sz="2800" dirty="0"/>
             </a:br>
             <a:r>
               <a:rPr lang="ru-RU" sz="2800" dirty="0"/>
-              <a:t>дискретностью</a:t>
-            </a:r>
-          </a:p>
-          <a:p>
-            <a:pPr marL="457200" indent="-457200">
+              <a:t>траектории.</a:t>
+            </a:r>
+          </a:p>
+          <a:p>
+            <a:r>
+              <a:rPr lang="ru-RU" sz="2800" dirty="0"/>
+              <a:t>Недостатки:</a:t>
+            </a:r>
+          </a:p>
+          <a:p>
+            <a:pPr marL="1079500" indent="-457200">
               <a:buFont typeface="Calibri" panose="020F0502020204030204" pitchFamily="34" charset="0"/>
-              <a:buChar char="⁻"/>
+              <a:buChar char="−"/>
             </a:pPr>
             <a:r>
               <a:rPr lang="ru-RU" sz="2800" dirty="0"/>
-              <a:t>отсутствие </a:t>
+              <a:t>компромисс между </a:t>
             </a:r>
             <a:br>
               <a:rPr lang="ru-RU" sz="2800" dirty="0"/>
             </a:br>
             <a:r>
               <a:rPr lang="ru-RU" sz="2800" dirty="0"/>
-              <a:t>адаптивности</a:t>
+              <a:t>памятью и </a:t>
+            </a:r>
+            <a:br>
+              <a:rPr lang="ru-RU" sz="2800" dirty="0"/>
+            </a:br>
+            <a:r>
+              <a:rPr lang="ru-RU" sz="2800" dirty="0"/>
+              <a:t>дискретностью;</a:t>
+            </a:r>
+          </a:p>
+          <a:p>
+            <a:pPr marL="1079500" indent="-457200">
+              <a:buFont typeface="Calibri" panose="020F0502020204030204" pitchFamily="34" charset="0"/>
+              <a:buChar char="−"/>
+            </a:pPr>
+            <a:r>
+              <a:rPr lang="ru-RU" sz="2800" dirty="0"/>
+              <a:t>отсутствие </a:t>
+            </a:r>
+            <a:br>
+              <a:rPr lang="ru-RU" sz="2800" dirty="0"/>
+            </a:br>
+            <a:r>
+              <a:rPr lang="ru-RU" sz="2800" dirty="0"/>
+              <a:t>адаптивности.</a:t>
             </a:r>
           </a:p>
         </p:txBody>
@@ -7003,6 +7805,7 @@
           </a:bodyPr>
           <a:lstStyle/>
           <a:p>
+            <a:pPr algn="ctr"/>
             <a:r>
               <a:rPr lang="ru-RU" dirty="0"/>
               <a:t>Алгоритмы обнаружения столкновений </a:t>
@@ -7031,7 +7834,12 @@
             <p:ph idx="1"/>
           </p:nvPr>
         </p:nvSpPr>
-        <p:spPr/>
+        <p:spPr>
+          <a:xfrm>
+            <a:off x="1108023" y="2770005"/>
+            <a:ext cx="10515600" cy="3206252"/>
+          </a:xfrm>
+        </p:spPr>
         <p:txBody>
           <a:bodyPr>
             <a:normAutofit/>
@@ -7042,7 +7850,7 @@
               <a:buNone/>
             </a:pPr>
             <a:r>
-              <a:rPr lang="ru-RU" sz="4000" dirty="0"/>
+              <a:rPr lang="ru-RU" sz="3600" dirty="0"/>
               <a:t>Априорные (непрерывные) – медленные, но большая точность</a:t>
             </a:r>
           </a:p>
@@ -7051,7 +7859,7 @@
               <a:buNone/>
             </a:pPr>
             <a:r>
-              <a:rPr lang="ru-RU" sz="4000" dirty="0"/>
+              <a:rPr lang="ru-RU" sz="3600" dirty="0"/>
               <a:t>Апостериорные – быстрые, но маленькая точность и туннелирование</a:t>
             </a:r>
           </a:p>
